--- a/material/04_GitHub Co-work.pptx
+++ b/material/04_GitHub Co-work.pptx
@@ -257,7 +257,7 @@
           <a:p>
             <a:fld id="{2EF3F159-7250-4DD4-91C2-13B35D56E1AF}" type="datetimeFigureOut">
               <a:rPr lang="ko-KR" altLang="en-US" smtClean="0"/>
-              <a:t>2025-04-22</a:t>
+              <a:t>2025-06-08</a:t>
             </a:fld>
             <a:endParaRPr lang="ko-KR" altLang="en-US"/>
           </a:p>
@@ -663,62 +663,6 @@
           <a:bodyPr/>
           <a:lstStyle/>
           <a:p>
-            <a:r>
-              <a:rPr lang="ko-KR" altLang="en-US" dirty="0" err="1"/>
-              <a:t>작업흐름을</a:t>
-            </a:r>
-            <a:r>
-              <a:rPr lang="ko-KR" altLang="en-US" dirty="0"/>
-              <a:t> 시각화</a:t>
-            </a:r>
-            <a:r>
-              <a:rPr lang="en-US" altLang="ko-KR" dirty="0"/>
-              <a:t>, </a:t>
-            </a:r>
-            <a:r>
-              <a:rPr lang="ko-KR" altLang="en-US" dirty="0"/>
-              <a:t>지속적인 개선을 목표로 하는 방법론</a:t>
-            </a:r>
-            <a:endParaRPr lang="en-US" altLang="ko-KR" dirty="0"/>
-          </a:p>
-          <a:p>
-            <a:r>
-              <a:rPr lang="ko-KR" altLang="en-US" dirty="0"/>
-              <a:t>작업 항목을 보드에 시각적으로 관리하며</a:t>
-            </a:r>
-            <a:r>
-              <a:rPr lang="en-US" altLang="ko-KR" dirty="0"/>
-              <a:t>, </a:t>
-            </a:r>
-            <a:r>
-              <a:rPr lang="ko-KR" altLang="en-US" dirty="0"/>
-              <a:t>각 항목의 진행 상태를 명확히 표시</a:t>
-            </a:r>
-            <a:r>
-              <a:rPr lang="en-US" altLang="ko-KR" dirty="0"/>
-              <a:t>.</a:t>
-            </a:r>
-          </a:p>
-          <a:p>
-            <a:endParaRPr lang="en-US" altLang="ko-KR" dirty="0"/>
-          </a:p>
-          <a:p>
-            <a:r>
-              <a:rPr lang="ko-KR" altLang="en-US" dirty="0"/>
-              <a:t>유연한 구조</a:t>
-            </a:r>
-            <a:r>
-              <a:rPr lang="en-US" altLang="ko-KR" dirty="0"/>
-              <a:t>, </a:t>
-            </a:r>
-            <a:r>
-              <a:rPr lang="ko-KR" altLang="en-US" dirty="0"/>
-              <a:t>작업 흐름을지속적으로 관리하고 필요에 따라 조정</a:t>
-            </a:r>
-            <a:r>
-              <a:rPr lang="en-US" altLang="ko-KR" dirty="0"/>
-              <a:t>.</a:t>
-            </a:r>
             <a:endParaRPr lang="ko-KR" altLang="en-US" dirty="0"/>
           </a:p>
         </p:txBody>
@@ -890,7 +834,7 @@
           <a:bodyPr/>
           <a:lstStyle/>
           <a:p>
-            <a:endParaRPr lang="ko-KR" altLang="en-US"/>
+            <a:endParaRPr lang="ko-KR" altLang="en-US" dirty="0"/>
           </a:p>
         </p:txBody>
       </p:sp>
@@ -1482,416 +1426,6 @@
           <a:bodyPr/>
           <a:lstStyle/>
           <a:p>
-            <a:r>
-              <a:rPr lang="en-US" altLang="ko-KR" b="1" dirty="0" smtClean="0"/>
-              <a:t>1. ✅ Require a pull request before merging</a:t>
-            </a:r>
-          </a:p>
-          <a:p>
-            <a:r>
-              <a:rPr lang="ko-KR" altLang="en-US" b="1" dirty="0" smtClean="0"/>
-              <a:t>해석</a:t>
-            </a:r>
-            <a:r>
-              <a:rPr lang="en-US" altLang="ko-KR" dirty="0" smtClean="0"/>
-              <a:t>: </a:t>
-            </a:r>
-            <a:r>
-              <a:rPr lang="ko-KR" altLang="en-US" dirty="0" smtClean="0"/>
-              <a:t>병합 전에 </a:t>
-            </a:r>
-            <a:r>
-              <a:rPr lang="en-US" altLang="ko-KR" dirty="0" smtClean="0"/>
-              <a:t>Pull Request</a:t>
-            </a:r>
-            <a:r>
-              <a:rPr lang="ko-KR" altLang="en-US" dirty="0" smtClean="0"/>
-              <a:t>를 반드시 사용해야 함</a:t>
-            </a:r>
-            <a:br>
-              <a:rPr lang="ko-KR" altLang="en-US" dirty="0" smtClean="0"/>
-            </a:br>
-            <a:r>
-              <a:rPr lang="ko-KR" altLang="en-US" b="1" dirty="0" smtClean="0"/>
-              <a:t>설명</a:t>
-            </a:r>
-            <a:r>
-              <a:rPr lang="en-US" altLang="ko-KR" dirty="0" smtClean="0"/>
-              <a:t>: </a:t>
-            </a:r>
-            <a:r>
-              <a:rPr lang="ko-KR" altLang="en-US" dirty="0" smtClean="0"/>
-              <a:t>직접 </a:t>
-            </a:r>
-            <a:r>
-              <a:rPr lang="ko-KR" altLang="en-US" dirty="0" err="1" smtClean="0"/>
-              <a:t>브랜치에</a:t>
-            </a:r>
-            <a:r>
-              <a:rPr lang="ko-KR" altLang="en-US" dirty="0" smtClean="0"/>
-              <a:t> </a:t>
-            </a:r>
-            <a:r>
-              <a:rPr lang="ko-KR" altLang="en-US" dirty="0" err="1" smtClean="0"/>
-              <a:t>푸시하는</a:t>
-            </a:r>
-            <a:r>
-              <a:rPr lang="ko-KR" altLang="en-US" dirty="0" smtClean="0"/>
-              <a:t> 것을 막고</a:t>
-            </a:r>
-            <a:r>
-              <a:rPr lang="en-US" altLang="ko-KR" dirty="0" smtClean="0"/>
-              <a:t>, </a:t>
-            </a:r>
-            <a:r>
-              <a:rPr lang="ko-KR" altLang="en-US" dirty="0" smtClean="0"/>
-              <a:t>병합은 반드시 </a:t>
-            </a:r>
-            <a:r>
-              <a:rPr lang="en-US" altLang="ko-KR" dirty="0" smtClean="0"/>
-              <a:t>PR(Pull Request) </a:t>
-            </a:r>
-            <a:r>
-              <a:rPr lang="ko-KR" altLang="en-US" dirty="0" smtClean="0"/>
-              <a:t>과정을 통해서만 가능하도록 설정합니다</a:t>
-            </a:r>
-            <a:r>
-              <a:rPr lang="en-US" altLang="ko-KR" dirty="0" smtClean="0"/>
-              <a:t>.</a:t>
-            </a:r>
-          </a:p>
-          <a:p>
-            <a:r>
-              <a:rPr lang="en-US" altLang="ko-KR" b="1" dirty="0" smtClean="0"/>
-              <a:t>2. </a:t>
-            </a:r>
-            <a:r>
-              <a:rPr lang="ko-KR" altLang="en-US" b="1" dirty="0" smtClean="0"/>
-              <a:t>🔽 </a:t>
-            </a:r>
-            <a:r>
-              <a:rPr lang="en-US" altLang="ko-KR" b="1" dirty="0" smtClean="0"/>
-              <a:t>Required approvals</a:t>
-            </a:r>
-          </a:p>
-          <a:p>
-            <a:r>
-              <a:rPr lang="ko-KR" altLang="en-US" b="1" dirty="0" smtClean="0"/>
-              <a:t>해석</a:t>
-            </a:r>
-            <a:r>
-              <a:rPr lang="en-US" altLang="ko-KR" dirty="0" smtClean="0"/>
-              <a:t>: </a:t>
-            </a:r>
-            <a:r>
-              <a:rPr lang="ko-KR" altLang="en-US" dirty="0" smtClean="0"/>
-              <a:t>리뷰어의 승인 횟수를 설정</a:t>
-            </a:r>
-            <a:br>
-              <a:rPr lang="ko-KR" altLang="en-US" dirty="0" smtClean="0"/>
-            </a:br>
-            <a:r>
-              <a:rPr lang="ko-KR" altLang="en-US" b="1" dirty="0" smtClean="0"/>
-              <a:t>설명</a:t>
-            </a:r>
-            <a:r>
-              <a:rPr lang="en-US" altLang="ko-KR" dirty="0" smtClean="0"/>
-              <a:t>: Pull Request</a:t>
-            </a:r>
-            <a:r>
-              <a:rPr lang="ko-KR" altLang="en-US" dirty="0" smtClean="0"/>
-              <a:t>가 병합되기 전에</a:t>
-            </a:r>
-            <a:r>
-              <a:rPr lang="en-US" altLang="ko-KR" dirty="0" smtClean="0"/>
-              <a:t>, </a:t>
-            </a:r>
-            <a:r>
-              <a:rPr lang="ko-KR" altLang="en-US" dirty="0" smtClean="0"/>
-              <a:t>지정된 최소 승인 횟수</a:t>
-            </a:r>
-            <a:r>
-              <a:rPr lang="en-US" altLang="ko-KR" dirty="0" smtClean="0"/>
-              <a:t>(</a:t>
-            </a:r>
-            <a:r>
-              <a:rPr lang="ko-KR" altLang="en-US" dirty="0" smtClean="0"/>
-              <a:t>예</a:t>
-            </a:r>
-            <a:r>
-              <a:rPr lang="en-US" altLang="ko-KR" dirty="0" smtClean="0"/>
-              <a:t>: 1</a:t>
-            </a:r>
-            <a:r>
-              <a:rPr lang="ko-KR" altLang="en-US" dirty="0" smtClean="0"/>
-              <a:t>명 이상</a:t>
-            </a:r>
-            <a:r>
-              <a:rPr lang="en-US" altLang="ko-KR" dirty="0" smtClean="0"/>
-              <a:t>)</a:t>
-            </a:r>
-            <a:r>
-              <a:rPr lang="ko-KR" altLang="en-US" dirty="0" smtClean="0"/>
-              <a:t>를 만족해야 병합할 수 있습니다</a:t>
-            </a:r>
-            <a:r>
-              <a:rPr lang="en-US" altLang="ko-KR" dirty="0" smtClean="0"/>
-              <a:t>.</a:t>
-            </a:r>
-          </a:p>
-          <a:p>
-            <a:r>
-              <a:rPr lang="en-US" altLang="ko-KR" b="1" dirty="0" smtClean="0"/>
-              <a:t>3. ☑️ Dismiss stale pull request approvals when new commits are pushed</a:t>
-            </a:r>
-          </a:p>
-          <a:p>
-            <a:r>
-              <a:rPr lang="ko-KR" altLang="en-US" b="1" dirty="0" smtClean="0"/>
-              <a:t>해석</a:t>
-            </a:r>
-            <a:r>
-              <a:rPr lang="en-US" altLang="ko-KR" dirty="0" smtClean="0"/>
-              <a:t>: PR </a:t>
-            </a:r>
-            <a:r>
-              <a:rPr lang="ko-KR" altLang="en-US" dirty="0" smtClean="0"/>
-              <a:t>승인 후 새로운 </a:t>
-            </a:r>
-            <a:r>
-              <a:rPr lang="ko-KR" altLang="en-US" dirty="0" err="1" smtClean="0"/>
-              <a:t>커밋이</a:t>
-            </a:r>
-            <a:r>
-              <a:rPr lang="ko-KR" altLang="en-US" dirty="0" smtClean="0"/>
-              <a:t> 발생하면 기존 승인을 무효화</a:t>
-            </a:r>
-            <a:br>
-              <a:rPr lang="ko-KR" altLang="en-US" dirty="0" smtClean="0"/>
-            </a:br>
-            <a:r>
-              <a:rPr lang="ko-KR" altLang="en-US" b="1" dirty="0" smtClean="0"/>
-              <a:t>설명</a:t>
-            </a:r>
-            <a:r>
-              <a:rPr lang="en-US" altLang="ko-KR" dirty="0" smtClean="0"/>
-              <a:t>: </a:t>
-            </a:r>
-            <a:r>
-              <a:rPr lang="ko-KR" altLang="en-US" dirty="0" smtClean="0"/>
-              <a:t>코드가 바뀌면 다시 </a:t>
-            </a:r>
-            <a:r>
-              <a:rPr lang="ko-KR" altLang="en-US" dirty="0" err="1" smtClean="0"/>
-              <a:t>리뷰받아야</a:t>
-            </a:r>
-            <a:r>
-              <a:rPr lang="ko-KR" altLang="en-US" dirty="0" smtClean="0"/>
-              <a:t> 하므로</a:t>
-            </a:r>
-            <a:r>
-              <a:rPr lang="en-US" altLang="ko-KR" dirty="0" smtClean="0"/>
-              <a:t>, </a:t>
-            </a:r>
-            <a:r>
-              <a:rPr lang="ko-KR" altLang="en-US" dirty="0" smtClean="0"/>
-              <a:t>새 </a:t>
-            </a:r>
-            <a:r>
-              <a:rPr lang="ko-KR" altLang="en-US" dirty="0" err="1" smtClean="0"/>
-              <a:t>커밋이</a:t>
-            </a:r>
-            <a:r>
-              <a:rPr lang="ko-KR" altLang="en-US" dirty="0" smtClean="0"/>
-              <a:t> </a:t>
-            </a:r>
-            <a:r>
-              <a:rPr lang="ko-KR" altLang="en-US" dirty="0" err="1" smtClean="0"/>
-              <a:t>푸시되면</a:t>
-            </a:r>
-            <a:r>
-              <a:rPr lang="ko-KR" altLang="en-US" dirty="0" smtClean="0"/>
-              <a:t> 기존 리뷰 승인 상태를 초기화합니다</a:t>
-            </a:r>
-            <a:r>
-              <a:rPr lang="en-US" altLang="ko-KR" dirty="0" smtClean="0"/>
-              <a:t>.</a:t>
-            </a:r>
-          </a:p>
-          <a:p>
-            <a:r>
-              <a:rPr lang="en-US" altLang="ko-KR" b="1" dirty="0" smtClean="0"/>
-              <a:t>4. ⬜ Require review from Code Owners</a:t>
-            </a:r>
-          </a:p>
-          <a:p>
-            <a:r>
-              <a:rPr lang="ko-KR" altLang="en-US" b="1" dirty="0" smtClean="0"/>
-              <a:t>해석</a:t>
-            </a:r>
-            <a:r>
-              <a:rPr lang="en-US" altLang="ko-KR" dirty="0" smtClean="0"/>
-              <a:t>: </a:t>
-            </a:r>
-            <a:r>
-              <a:rPr lang="ko-KR" altLang="en-US" dirty="0" smtClean="0"/>
-              <a:t>특정 파일을 담당하는 코드 소유자의 리뷰 필요</a:t>
-            </a:r>
-            <a:br>
-              <a:rPr lang="ko-KR" altLang="en-US" dirty="0" smtClean="0"/>
-            </a:br>
-            <a:r>
-              <a:rPr lang="ko-KR" altLang="en-US" b="1" dirty="0" smtClean="0"/>
-              <a:t>설명</a:t>
-            </a:r>
-            <a:r>
-              <a:rPr lang="en-US" altLang="ko-KR" dirty="0" smtClean="0"/>
-              <a:t>: CODEOWNERS </a:t>
-            </a:r>
-            <a:r>
-              <a:rPr lang="ko-KR" altLang="en-US" dirty="0" smtClean="0"/>
-              <a:t>파일을 기준으로</a:t>
-            </a:r>
-            <a:r>
-              <a:rPr lang="en-US" altLang="ko-KR" dirty="0" smtClean="0"/>
-              <a:t>, </a:t>
-            </a:r>
-            <a:r>
-              <a:rPr lang="ko-KR" altLang="en-US" dirty="0" smtClean="0"/>
-              <a:t>특정 파일을 다루는 사람의 승인을 요구합니다</a:t>
-            </a:r>
-            <a:r>
-              <a:rPr lang="en-US" altLang="ko-KR" dirty="0" smtClean="0"/>
-              <a:t>.</a:t>
-            </a:r>
-          </a:p>
-          <a:p>
-            <a:r>
-              <a:rPr lang="en-US" altLang="ko-KR" b="1" dirty="0" smtClean="0"/>
-              <a:t>5. ⬜ Require approval of the most recent reviewable push</a:t>
-            </a:r>
-          </a:p>
-          <a:p>
-            <a:r>
-              <a:rPr lang="ko-KR" altLang="en-US" b="1" dirty="0" smtClean="0"/>
-              <a:t>해석</a:t>
-            </a:r>
-            <a:r>
-              <a:rPr lang="en-US" altLang="ko-KR" dirty="0" smtClean="0"/>
-              <a:t>: </a:t>
-            </a:r>
-            <a:r>
-              <a:rPr lang="ko-KR" altLang="en-US" dirty="0" smtClean="0"/>
-              <a:t>마지막 </a:t>
-            </a:r>
-            <a:r>
-              <a:rPr lang="ko-KR" altLang="en-US" dirty="0" err="1" smtClean="0"/>
-              <a:t>푸시에</a:t>
-            </a:r>
-            <a:r>
-              <a:rPr lang="ko-KR" altLang="en-US" dirty="0" smtClean="0"/>
-              <a:t> 대해 승인 필요</a:t>
-            </a:r>
-            <a:br>
-              <a:rPr lang="ko-KR" altLang="en-US" dirty="0" smtClean="0"/>
-            </a:br>
-            <a:r>
-              <a:rPr lang="ko-KR" altLang="en-US" b="1" dirty="0" smtClean="0"/>
-              <a:t>설명</a:t>
-            </a:r>
-            <a:r>
-              <a:rPr lang="en-US" altLang="ko-KR" dirty="0" smtClean="0"/>
-              <a:t>: </a:t>
-            </a:r>
-            <a:r>
-              <a:rPr lang="ko-KR" altLang="en-US" dirty="0" smtClean="0"/>
-              <a:t>가장 최근에 </a:t>
-            </a:r>
-            <a:r>
-              <a:rPr lang="ko-KR" altLang="en-US" dirty="0" err="1" smtClean="0"/>
-              <a:t>푸시된</a:t>
-            </a:r>
-            <a:r>
-              <a:rPr lang="ko-KR" altLang="en-US" dirty="0" smtClean="0"/>
-              <a:t> 코드에 대해서는 </a:t>
-            </a:r>
-            <a:r>
-              <a:rPr lang="en-US" altLang="ko-KR" dirty="0" smtClean="0"/>
-              <a:t>PR </a:t>
-            </a:r>
-            <a:r>
-              <a:rPr lang="ko-KR" altLang="en-US" dirty="0" smtClean="0"/>
-              <a:t>작성자 외 다른 사람이 승인해야 병합됩니다</a:t>
-            </a:r>
-            <a:r>
-              <a:rPr lang="en-US" altLang="ko-KR" dirty="0" smtClean="0"/>
-              <a:t>.</a:t>
-            </a:r>
-          </a:p>
-          <a:p>
-            <a:r>
-              <a:rPr lang="en-US" altLang="ko-KR" b="1" dirty="0" smtClean="0"/>
-              <a:t>6. ⬜ Require conversation resolution before merging</a:t>
-            </a:r>
-          </a:p>
-          <a:p>
-            <a:r>
-              <a:rPr lang="ko-KR" altLang="en-US" b="1" dirty="0" smtClean="0"/>
-              <a:t>해석</a:t>
-            </a:r>
-            <a:r>
-              <a:rPr lang="en-US" altLang="ko-KR" dirty="0" smtClean="0"/>
-              <a:t>: </a:t>
-            </a:r>
-            <a:r>
-              <a:rPr lang="ko-KR" altLang="en-US" dirty="0" smtClean="0"/>
-              <a:t>리뷰 코멘트가 모두 해결되어야 병합 가능</a:t>
-            </a:r>
-            <a:br>
-              <a:rPr lang="ko-KR" altLang="en-US" dirty="0" smtClean="0"/>
-            </a:br>
-            <a:r>
-              <a:rPr lang="ko-KR" altLang="en-US" b="1" dirty="0" smtClean="0"/>
-              <a:t>설명</a:t>
-            </a:r>
-            <a:r>
-              <a:rPr lang="en-US" altLang="ko-KR" dirty="0" smtClean="0"/>
-              <a:t>: PR </a:t>
-            </a:r>
-            <a:r>
-              <a:rPr lang="ko-KR" altLang="en-US" dirty="0" smtClean="0"/>
-              <a:t>내 </a:t>
-            </a:r>
-            <a:r>
-              <a:rPr lang="ko-KR" altLang="en-US" dirty="0" err="1" smtClean="0"/>
-              <a:t>리뷰어들이</a:t>
-            </a:r>
-            <a:r>
-              <a:rPr lang="ko-KR" altLang="en-US" dirty="0" smtClean="0"/>
-              <a:t> 단 댓글 중 </a:t>
-            </a:r>
-            <a:r>
-              <a:rPr lang="en-US" altLang="ko-KR" dirty="0" smtClean="0"/>
-              <a:t>'</a:t>
-            </a:r>
-            <a:r>
-              <a:rPr lang="ko-KR" altLang="en-US" dirty="0" smtClean="0"/>
-              <a:t>해결되지 않은 대화</a:t>
-            </a:r>
-            <a:r>
-              <a:rPr lang="en-US" altLang="ko-KR" dirty="0" smtClean="0"/>
-              <a:t>(Conversation)'</a:t>
-            </a:r>
-            <a:r>
-              <a:rPr lang="ko-KR" altLang="en-US" dirty="0" smtClean="0"/>
-              <a:t>가 남아있으면 병합을 막습니다</a:t>
-            </a:r>
-            <a:r>
-              <a:rPr lang="en-US" altLang="ko-KR" dirty="0" smtClean="0"/>
-              <a:t>.</a:t>
-            </a:r>
-          </a:p>
-          <a:p>
             <a:endParaRPr lang="ko-KR" altLang="en-US" dirty="0"/>
           </a:p>
         </p:txBody>
@@ -2063,110 +1597,6 @@
           <a:bodyPr/>
           <a:lstStyle/>
           <a:p>
-            <a:r>
-              <a:rPr lang="ko-KR" altLang="en-US" dirty="0" smtClean="0"/>
-              <a:t>내가 </a:t>
-            </a:r>
-            <a:r>
-              <a:rPr lang="ko-KR" altLang="en-US" dirty="0" err="1" smtClean="0"/>
-              <a:t>포크한</a:t>
-            </a:r>
-            <a:r>
-              <a:rPr lang="ko-KR" altLang="en-US" dirty="0" smtClean="0"/>
-              <a:t> 저장소는 </a:t>
-            </a:r>
-            <a:r>
-              <a:rPr lang="ko-KR" altLang="en-US" b="1" dirty="0" smtClean="0"/>
-              <a:t>원래 저장소</a:t>
-            </a:r>
-            <a:r>
-              <a:rPr lang="en-US" altLang="ko-KR" b="1" dirty="0" smtClean="0"/>
-              <a:t>(Upstream)</a:t>
-            </a:r>
-            <a:r>
-              <a:rPr lang="ko-KR" altLang="en-US" dirty="0" smtClean="0"/>
-              <a:t> 와 연결되어 있어서</a:t>
-            </a:r>
-            <a:r>
-              <a:rPr lang="en-US" altLang="ko-KR" dirty="0" smtClean="0"/>
-              <a:t>,</a:t>
-            </a:r>
-            <a:br>
-              <a:rPr lang="en-US" altLang="ko-KR" dirty="0" smtClean="0"/>
-            </a:br>
-            <a:r>
-              <a:rPr lang="ko-KR" altLang="en-US" dirty="0" smtClean="0"/>
-              <a:t>추후에 원본에 변경사항이 생기면 </a:t>
-            </a:r>
-            <a:r>
-              <a:rPr lang="ko-KR" altLang="en-US" b="1" dirty="0" smtClean="0"/>
-              <a:t>업데이트도 가능</a:t>
-            </a:r>
-            <a:r>
-              <a:rPr lang="ko-KR" altLang="en-US" dirty="0" smtClean="0"/>
-              <a:t>하고</a:t>
-            </a:r>
-            <a:r>
-              <a:rPr lang="en-US" altLang="ko-KR" dirty="0" smtClean="0"/>
-              <a:t>, </a:t>
-            </a:r>
-            <a:r>
-              <a:rPr lang="ko-KR" altLang="en-US" b="1" dirty="0" smtClean="0"/>
-              <a:t>기여도 가능</a:t>
-            </a:r>
-            <a:r>
-              <a:rPr lang="ko-KR" altLang="en-US" dirty="0" smtClean="0"/>
-              <a:t>합니다</a:t>
-            </a:r>
-            <a:r>
-              <a:rPr lang="en-US" altLang="ko-KR" dirty="0" smtClean="0"/>
-              <a:t>.</a:t>
-            </a:r>
-          </a:p>
-          <a:p>
-            <a:r>
-              <a:rPr lang="ko-KR" altLang="en-US" dirty="0" smtClean="0"/>
-              <a:t>🔹 </a:t>
-            </a:r>
-            <a:r>
-              <a:rPr lang="en-US" altLang="ko-KR" b="1" dirty="0" smtClean="0"/>
-              <a:t>Upstream</a:t>
-            </a:r>
-            <a:r>
-              <a:rPr lang="en-US" altLang="ko-KR" dirty="0" smtClean="0"/>
-              <a:t>: </a:t>
-            </a:r>
-            <a:r>
-              <a:rPr lang="ko-KR" altLang="en-US" dirty="0" smtClean="0"/>
-              <a:t>원래 원본 저장소</a:t>
-            </a:r>
-            <a:br>
-              <a:rPr lang="ko-KR" altLang="en-US" dirty="0" smtClean="0"/>
-            </a:br>
-            <a:r>
-              <a:rPr lang="ko-KR" altLang="en-US" dirty="0" smtClean="0"/>
-              <a:t>🔹 </a:t>
-            </a:r>
-            <a:r>
-              <a:rPr lang="en-US" altLang="ko-KR" b="1" dirty="0" smtClean="0"/>
-              <a:t>Origin</a:t>
-            </a:r>
-            <a:r>
-              <a:rPr lang="en-US" altLang="ko-KR" dirty="0" smtClean="0"/>
-              <a:t>: </a:t>
-            </a:r>
-            <a:r>
-              <a:rPr lang="ko-KR" altLang="en-US" dirty="0" smtClean="0"/>
-              <a:t>내 </a:t>
-            </a:r>
-            <a:r>
-              <a:rPr lang="ko-KR" altLang="en-US" dirty="0" err="1" smtClean="0"/>
-              <a:t>포크된</a:t>
-            </a:r>
-            <a:r>
-              <a:rPr lang="ko-KR" altLang="en-US" dirty="0" smtClean="0"/>
-              <a:t> 저장소</a:t>
-            </a:r>
             <a:endParaRPr lang="ko-KR" altLang="en-US" dirty="0"/>
           </a:p>
         </p:txBody>
@@ -2251,108 +1681,6 @@
           <a:bodyPr/>
           <a:lstStyle/>
           <a:p>
-            <a:r>
-              <a:rPr lang="en-US" altLang="ko-KR" dirty="0" smtClean="0"/>
-              <a:t>Fork </a:t>
-            </a:r>
-            <a:r>
-              <a:rPr lang="ko-KR" altLang="en-US" dirty="0" smtClean="0"/>
-              <a:t>후 </a:t>
-            </a:r>
-            <a:r>
-              <a:rPr lang="en-US" altLang="ko-KR" dirty="0" smtClean="0"/>
-              <a:t>merge</a:t>
-            </a:r>
-            <a:r>
-              <a:rPr lang="en-US" altLang="ko-KR" baseline="0" dirty="0" smtClean="0"/>
-              <a:t> </a:t>
-            </a:r>
-            <a:r>
-              <a:rPr lang="ko-KR" altLang="en-US" baseline="0" dirty="0" smtClean="0"/>
-              <a:t>까지 하는 과정은 이따 </a:t>
-            </a:r>
-            <a:r>
-              <a:rPr lang="en-US" altLang="ko-KR" baseline="0" dirty="0" err="1" smtClean="0"/>
-              <a:t>Rq</a:t>
-            </a:r>
-            <a:r>
-              <a:rPr lang="en-US" altLang="ko-KR" baseline="0" dirty="0" smtClean="0"/>
-              <a:t> </a:t>
-            </a:r>
-            <a:r>
-              <a:rPr lang="ko-KR" altLang="en-US" baseline="0" dirty="0" smtClean="0"/>
-              <a:t>배우고 나서 진행</a:t>
-            </a:r>
-            <a:r>
-              <a:rPr lang="en-US" altLang="ko-KR" baseline="0" dirty="0" smtClean="0"/>
-              <a:t>.</a:t>
-            </a:r>
-          </a:p>
-          <a:p>
-            <a:r>
-              <a:rPr lang="ko-KR" altLang="en-US" dirty="0" smtClean="0"/>
-              <a:t>혼자 </a:t>
-            </a:r>
-            <a:r>
-              <a:rPr lang="en-US" altLang="ko-KR" dirty="0" err="1" smtClean="0"/>
-              <a:t>git</a:t>
-            </a:r>
-            <a:r>
-              <a:rPr lang="en-US" altLang="ko-KR" baseline="0" dirty="0" smtClean="0"/>
-              <a:t> </a:t>
-            </a:r>
-            <a:r>
-              <a:rPr lang="ko-KR" altLang="en-US" baseline="0" dirty="0" smtClean="0"/>
-              <a:t>계정 </a:t>
-            </a:r>
-            <a:r>
-              <a:rPr lang="en-US" altLang="ko-KR" baseline="0" dirty="0" smtClean="0"/>
-              <a:t>2</a:t>
-            </a:r>
-            <a:r>
-              <a:rPr lang="ko-KR" altLang="en-US" baseline="0" dirty="0" smtClean="0"/>
-              <a:t>개로 주고 받으려면</a:t>
-            </a:r>
-            <a:r>
-              <a:rPr lang="ko-KR" altLang="en-US" dirty="0" smtClean="0"/>
-              <a:t> </a:t>
-            </a:r>
-            <a:r>
-              <a:rPr lang="en-US" altLang="ko-KR" dirty="0" smtClean="0"/>
-              <a:t>“</a:t>
-            </a:r>
-            <a:r>
-              <a:rPr lang="ko-KR" altLang="en-US" dirty="0" smtClean="0"/>
-              <a:t>자격증명관리자</a:t>
-            </a:r>
-            <a:r>
-              <a:rPr lang="en-US" altLang="ko-KR" dirty="0" smtClean="0"/>
-              <a:t>” &amp; </a:t>
-            </a:r>
-            <a:r>
-              <a:rPr lang="en-US" altLang="ko-KR" dirty="0" err="1" smtClean="0"/>
-              <a:t>config</a:t>
-            </a:r>
-            <a:r>
-              <a:rPr lang="en-US" altLang="ko-KR" baseline="0" dirty="0" smtClean="0"/>
-              <a:t> user.name </a:t>
-            </a:r>
-            <a:r>
-              <a:rPr lang="en-US" altLang="ko-KR" baseline="0" dirty="0" err="1" smtClean="0"/>
-              <a:t>user.email</a:t>
-            </a:r>
-            <a:r>
-              <a:rPr lang="en-US" altLang="ko-KR" baseline="0" dirty="0" smtClean="0"/>
-              <a:t> </a:t>
-            </a:r>
-            <a:r>
-              <a:rPr lang="ko-KR" altLang="en-US" baseline="0" dirty="0" smtClean="0"/>
-              <a:t>수정해서 권한 챙기기</a:t>
-            </a:r>
-            <a:r>
-              <a:rPr lang="en-US" altLang="ko-KR" baseline="0" dirty="0" smtClean="0"/>
-              <a:t>.</a:t>
-            </a:r>
             <a:endParaRPr lang="ko-KR" altLang="en-US" dirty="0"/>
           </a:p>
         </p:txBody>
@@ -2608,115 +1936,6 @@
           <a:bodyPr/>
           <a:lstStyle/>
           <a:p>
-            <a:r>
-              <a:rPr lang="ko-KR" altLang="en-US" dirty="0" err="1" smtClean="0"/>
-              <a:t>브랜치</a:t>
-            </a:r>
-            <a:r>
-              <a:rPr lang="ko-KR" altLang="en-US" dirty="0" smtClean="0"/>
-              <a:t> 보호 규칙을 설정할 수 있는 페이지이며</a:t>
-            </a:r>
-            <a:r>
-              <a:rPr lang="en-US" altLang="ko-KR" dirty="0" smtClean="0"/>
-              <a:t>, </a:t>
-            </a:r>
-            <a:r>
-              <a:rPr lang="ko-KR" altLang="en-US" dirty="0" smtClean="0"/>
-              <a:t>협업 중 실수로 중요한 </a:t>
-            </a:r>
-            <a:r>
-              <a:rPr lang="ko-KR" altLang="en-US" dirty="0" err="1" smtClean="0"/>
-              <a:t>브랜치가</a:t>
-            </a:r>
-            <a:r>
-              <a:rPr lang="ko-KR" altLang="en-US" dirty="0" smtClean="0"/>
-              <a:t> 변경되지 않도록 제한할 수 있는 기능</a:t>
-            </a:r>
-            <a:endParaRPr lang="en-US" altLang="ko-KR" dirty="0" smtClean="0"/>
-          </a:p>
-          <a:p>
-            <a:endParaRPr lang="en-US" altLang="ko-KR" dirty="0" smtClean="0"/>
-          </a:p>
-          <a:p>
-            <a:r>
-              <a:rPr lang="en-US" altLang="ko-KR" dirty="0" smtClean="0"/>
-              <a:t>Bypass list</a:t>
-            </a:r>
-            <a:br>
-              <a:rPr lang="en-US" altLang="ko-KR" dirty="0" smtClean="0"/>
-            </a:br>
-            <a:r>
-              <a:rPr lang="en-US" altLang="ko-KR" dirty="0" smtClean="0"/>
-              <a:t>-</a:t>
-            </a:r>
-            <a:r>
-              <a:rPr lang="en-US" altLang="ko-KR" baseline="0" dirty="0" smtClean="0"/>
-              <a:t> </a:t>
-            </a:r>
-            <a:r>
-              <a:rPr lang="ko-KR" altLang="en-US" baseline="0" dirty="0" smtClean="0"/>
-              <a:t>특정 사용자</a:t>
-            </a:r>
-            <a:r>
-              <a:rPr lang="en-US" altLang="ko-KR" baseline="0" dirty="0" smtClean="0"/>
-              <a:t>, </a:t>
-            </a:r>
-            <a:r>
-              <a:rPr lang="ko-KR" altLang="en-US" baseline="0" dirty="0" smtClean="0"/>
-              <a:t>팀</a:t>
-            </a:r>
-            <a:r>
-              <a:rPr lang="en-US" altLang="ko-KR" baseline="0" dirty="0" smtClean="0"/>
-              <a:t>, </a:t>
-            </a:r>
-            <a:r>
-              <a:rPr lang="ko-KR" altLang="en-US" baseline="0" dirty="0" smtClean="0"/>
-              <a:t>앱은 이 규칙을 무시</a:t>
-            </a:r>
-            <a:r>
-              <a:rPr lang="en-US" altLang="ko-KR" baseline="0" dirty="0" smtClean="0"/>
-              <a:t>. (</a:t>
-            </a:r>
-            <a:r>
-              <a:rPr lang="ko-KR" altLang="en-US" baseline="0" dirty="0" smtClean="0"/>
-              <a:t>예외</a:t>
-            </a:r>
-            <a:r>
-              <a:rPr lang="en-US" altLang="ko-KR" baseline="0" dirty="0" smtClean="0"/>
-              <a:t>)</a:t>
-            </a:r>
-          </a:p>
-          <a:p>
-            <a:endParaRPr lang="en-US" altLang="ko-KR" baseline="0" dirty="0" smtClean="0"/>
-          </a:p>
-          <a:p>
-            <a:r>
-              <a:rPr lang="en-US" altLang="ko-KR" baseline="0" dirty="0" smtClean="0"/>
-              <a:t>Target </a:t>
-            </a:r>
-            <a:r>
-              <a:rPr lang="en-US" altLang="ko-KR" baseline="0" dirty="0" err="1" smtClean="0"/>
-              <a:t>branchs</a:t>
-            </a:r>
-            <a:endParaRPr lang="en-US" altLang="ko-KR" baseline="0" dirty="0" smtClean="0"/>
-          </a:p>
-          <a:p>
-            <a:r>
-              <a:rPr lang="en-US" altLang="ko-KR" baseline="0" dirty="0" smtClean="0"/>
-              <a:t>- </a:t>
-            </a:r>
-            <a:r>
-              <a:rPr lang="ko-KR" altLang="en-US" baseline="0" dirty="0" smtClean="0"/>
-              <a:t>이 규칙을 적용할 </a:t>
-            </a:r>
-            <a:r>
-              <a:rPr lang="ko-KR" altLang="en-US" baseline="0" dirty="0" err="1" smtClean="0"/>
-              <a:t>브랜치를</a:t>
-            </a:r>
-            <a:r>
-              <a:rPr lang="ko-KR" altLang="en-US" baseline="0" dirty="0" smtClean="0"/>
-              <a:t> 지정하는 영역</a:t>
-            </a:r>
             <a:endParaRPr lang="ko-KR" altLang="en-US" dirty="0"/>
           </a:p>
         </p:txBody>
@@ -3137,18 +2356,7 @@
           <a:bodyPr/>
           <a:lstStyle/>
           <a:p>
-            <a:r>
-              <a:rPr lang="ko-KR" altLang="en-US"/>
-              <a:t>여기까지 모두 작성 후 </a:t>
-            </a:r>
-            <a:r>
-              <a:rPr lang="en-US" altLang="ko-KR"/>
-              <a:t>create pull request </a:t>
-            </a:r>
-            <a:r>
-              <a:rPr lang="ko-KR" altLang="en-US"/>
-              <a:t>버튼 클릭</a:t>
-            </a:r>
+            <a:endParaRPr lang="ko-KR" altLang="en-US" dirty="0"/>
           </a:p>
         </p:txBody>
       </p:sp>
@@ -3232,383 +2440,6 @@
           <a:bodyPr/>
           <a:lstStyle/>
           <a:p>
-            <a:r>
-              <a:rPr lang="ko-KR" altLang="en-US" dirty="0" smtClean="0"/>
-              <a:t>한 </a:t>
-            </a:r>
-            <a:r>
-              <a:rPr lang="ko-KR" altLang="en-US" dirty="0"/>
-              <a:t>단계가 완료 된 후에야 다음 단계로 넘어가는 특성</a:t>
-            </a:r>
-            <a:r>
-              <a:rPr lang="en-US" altLang="ko-KR" dirty="0" smtClean="0"/>
-              <a:t>!</a:t>
-            </a:r>
-          </a:p>
-          <a:p>
-            <a:endParaRPr lang="en-US" altLang="ko-KR" dirty="0" smtClean="0"/>
-          </a:p>
-          <a:p>
-            <a:r>
-              <a:rPr lang="en-US" altLang="ko-KR" dirty="0" smtClean="0"/>
-              <a:t>** </a:t>
-            </a:r>
-            <a:r>
-              <a:rPr lang="ko-KR" altLang="en-US" dirty="0" smtClean="0"/>
-              <a:t>생명주기 </a:t>
-            </a:r>
-            <a:r>
-              <a:rPr lang="en-US" altLang="ko-KR" dirty="0" smtClean="0"/>
-              <a:t>: </a:t>
-            </a:r>
-            <a:r>
-              <a:rPr lang="ko-KR" altLang="en-US" dirty="0" smtClean="0"/>
-              <a:t>소프트웨어의 생명주기는 소프트웨어가 기획</a:t>
-            </a:r>
-            <a:r>
-              <a:rPr lang="en-US" altLang="ko-KR" dirty="0" smtClean="0"/>
-              <a:t>, </a:t>
-            </a:r>
-            <a:r>
-              <a:rPr lang="ko-KR" altLang="en-US" dirty="0" smtClean="0"/>
-              <a:t>설계</a:t>
-            </a:r>
-            <a:r>
-              <a:rPr lang="en-US" altLang="ko-KR" dirty="0" smtClean="0"/>
-              <a:t>, </a:t>
-            </a:r>
-            <a:r>
-              <a:rPr lang="ko-KR" altLang="en-US" dirty="0" smtClean="0"/>
-              <a:t>구현</a:t>
-            </a:r>
-            <a:r>
-              <a:rPr lang="en-US" altLang="ko-KR" dirty="0" smtClean="0"/>
-              <a:t>, </a:t>
-            </a:r>
-            <a:r>
-              <a:rPr lang="ko-KR" altLang="en-US" dirty="0" smtClean="0"/>
-              <a:t>배포</a:t>
-            </a:r>
-            <a:r>
-              <a:rPr lang="en-US" altLang="ko-KR" dirty="0" smtClean="0"/>
-              <a:t>, </a:t>
-            </a:r>
-            <a:r>
-              <a:rPr lang="ko-KR" altLang="en-US" dirty="0" smtClean="0"/>
-              <a:t>유지보수</a:t>
-            </a:r>
-            <a:r>
-              <a:rPr lang="en-US" altLang="ko-KR" dirty="0" smtClean="0"/>
-              <a:t>, </a:t>
-            </a:r>
-            <a:r>
-              <a:rPr lang="ko-KR" altLang="en-US" dirty="0" smtClean="0"/>
-              <a:t>종료까지 이어지는 단계를 의미</a:t>
-            </a:r>
-            <a:r>
-              <a:rPr lang="en-US" altLang="ko-KR" dirty="0" smtClean="0"/>
-              <a:t>.</a:t>
-            </a:r>
-            <a:endParaRPr lang="en-US" altLang="ko-KR" dirty="0"/>
-          </a:p>
-          <a:p>
-            <a:endParaRPr lang="en-US" altLang="ko-KR" dirty="0"/>
-          </a:p>
-          <a:p>
-            <a:r>
-              <a:rPr lang="en-US" altLang="ko-KR" dirty="0"/>
-              <a:t>*</a:t>
-            </a:r>
-            <a:r>
-              <a:rPr lang="ko-KR" altLang="en-US" dirty="0"/>
-              <a:t>요구사항 분석 </a:t>
-            </a:r>
-            <a:r>
-              <a:rPr lang="en-US" altLang="ko-KR" dirty="0"/>
-              <a:t>– </a:t>
-            </a:r>
-            <a:r>
-              <a:rPr lang="ko-KR" altLang="en-US" dirty="0"/>
-              <a:t>시스템이 수행해야 할 기능과 요구사항을 명확히 정의 </a:t>
-            </a:r>
-            <a:r>
-              <a:rPr lang="en-US" altLang="ko-KR" dirty="0"/>
-              <a:t/>
-            </a:r>
-            <a:br>
-              <a:rPr lang="en-US" altLang="ko-KR" dirty="0"/>
-            </a:br>
-            <a:r>
-              <a:rPr lang="en-US" altLang="ko-KR" dirty="0"/>
-              <a:t>-</a:t>
-            </a:r>
-            <a:r>
-              <a:rPr lang="en-US" altLang="ko-KR" baseline="0" dirty="0"/>
-              <a:t> </a:t>
-            </a:r>
-            <a:r>
-              <a:rPr lang="ko-KR" altLang="en-US" baseline="0" dirty="0"/>
-              <a:t>고객과 인터뷰</a:t>
-            </a:r>
-            <a:r>
-              <a:rPr lang="en-US" altLang="ko-KR" baseline="0" dirty="0"/>
-              <a:t>, </a:t>
-            </a:r>
-            <a:r>
-              <a:rPr lang="ko-KR" altLang="en-US" baseline="0" dirty="0"/>
-              <a:t>요구사항 문서 작성</a:t>
-            </a:r>
-            <a:r>
-              <a:rPr lang="en-US" altLang="ko-KR" baseline="0" dirty="0"/>
-              <a:t>, </a:t>
-            </a:r>
-            <a:r>
-              <a:rPr lang="ko-KR" altLang="en-US" baseline="0" dirty="0"/>
-              <a:t>검토</a:t>
-            </a:r>
-            <a:endParaRPr lang="en-US" altLang="ko-KR" baseline="0" dirty="0"/>
-          </a:p>
-          <a:p>
-            <a:endParaRPr lang="en-US" altLang="ko-KR" baseline="0" dirty="0"/>
-          </a:p>
-          <a:p>
-            <a:pPr marL="0" indent="0">
-              <a:buFont typeface="Arial" panose="020B0604020202020204" pitchFamily="34" charset="0"/>
-              <a:buNone/>
-            </a:pPr>
-            <a:r>
-              <a:rPr lang="en-US" altLang="ko-KR" dirty="0"/>
-              <a:t>*</a:t>
-            </a:r>
-            <a:r>
-              <a:rPr lang="ko-KR" altLang="en-US" dirty="0"/>
-              <a:t>시스템 설계 </a:t>
-            </a:r>
-            <a:r>
-              <a:rPr lang="en-US" altLang="ko-KR" dirty="0"/>
-              <a:t>– </a:t>
-            </a:r>
-            <a:r>
-              <a:rPr lang="ko-KR" altLang="en-US" dirty="0"/>
-              <a:t>요구사항을 바탕으로 시스템의 구조와 컴포넌트를 설계</a:t>
-            </a:r>
-            <a:endParaRPr lang="en-US" altLang="ko-KR" dirty="0"/>
-          </a:p>
-          <a:p>
-            <a:pPr marL="171450" indent="-171450">
-              <a:buFontTx/>
-              <a:buChar char="-"/>
-            </a:pPr>
-            <a:r>
-              <a:rPr lang="en-US" altLang="ko-KR" dirty="0"/>
-              <a:t>DB</a:t>
-            </a:r>
-            <a:r>
-              <a:rPr lang="en-US" altLang="ko-KR" baseline="0" dirty="0"/>
-              <a:t> </a:t>
-            </a:r>
-            <a:r>
-              <a:rPr lang="ko-KR" altLang="en-US" baseline="0" dirty="0"/>
-              <a:t>설계</a:t>
-            </a:r>
-            <a:r>
-              <a:rPr lang="en-US" altLang="ko-KR" baseline="0" dirty="0"/>
-              <a:t>, </a:t>
-            </a:r>
-            <a:r>
-              <a:rPr lang="ko-KR" altLang="en-US" baseline="0" dirty="0"/>
-              <a:t>상세 설계</a:t>
-            </a:r>
-            <a:endParaRPr lang="en-US" altLang="ko-KR" baseline="0" dirty="0"/>
-          </a:p>
-          <a:p>
-            <a:pPr marL="171450" indent="-171450">
-              <a:buFontTx/>
-              <a:buChar char="-"/>
-            </a:pPr>
-            <a:endParaRPr lang="en-US" altLang="ko-KR" baseline="0" dirty="0"/>
-          </a:p>
-          <a:p>
-            <a:pPr marL="0" indent="0">
-              <a:buFontTx/>
-              <a:buNone/>
-            </a:pPr>
-            <a:r>
-              <a:rPr lang="en-US" altLang="ko-KR" baseline="0" dirty="0"/>
-              <a:t>*</a:t>
-            </a:r>
-            <a:r>
-              <a:rPr lang="ko-KR" altLang="en-US" baseline="0" dirty="0"/>
-              <a:t>구현 </a:t>
-            </a:r>
-            <a:r>
-              <a:rPr lang="en-US" altLang="ko-KR" baseline="0" dirty="0"/>
-              <a:t>– </a:t>
-            </a:r>
-            <a:r>
-              <a:rPr lang="ko-KR" altLang="en-US" baseline="0" dirty="0"/>
-              <a:t>설계된 시스템을 실제 코드로 </a:t>
-            </a:r>
-            <a:r>
-              <a:rPr lang="ko-KR" altLang="en-US" baseline="0" dirty="0" smtClean="0"/>
-              <a:t>작성 </a:t>
-            </a:r>
-            <a:r>
-              <a:rPr lang="en-US" altLang="ko-KR" baseline="0" dirty="0" smtClean="0"/>
-              <a:t>/ </a:t>
-            </a:r>
-            <a:r>
-              <a:rPr lang="ko-KR" altLang="en-US" baseline="0" dirty="0" smtClean="0"/>
-              <a:t>소프트웨어 개발</a:t>
-            </a:r>
-            <a:endParaRPr lang="en-US" altLang="ko-KR" baseline="0" dirty="0"/>
-          </a:p>
-          <a:p>
-            <a:pPr marL="171450" indent="-171450">
-              <a:buFontTx/>
-              <a:buChar char="-"/>
-            </a:pPr>
-            <a:r>
-              <a:rPr lang="ko-KR" altLang="en-US" baseline="0" dirty="0"/>
-              <a:t>코드 작성</a:t>
-            </a:r>
-            <a:endParaRPr lang="en-US" altLang="ko-KR" baseline="0" dirty="0"/>
-          </a:p>
-          <a:p>
-            <a:pPr marL="171450" indent="-171450">
-              <a:buFontTx/>
-              <a:buChar char="-"/>
-            </a:pPr>
-            <a:endParaRPr lang="en-US" altLang="ko-KR" baseline="0" dirty="0"/>
-          </a:p>
-          <a:p>
-            <a:pPr marL="0" indent="0">
-              <a:buFont typeface="Arial" panose="020B0604020202020204" pitchFamily="34" charset="0"/>
-              <a:buNone/>
-            </a:pPr>
-            <a:r>
-              <a:rPr lang="en-US" altLang="ko-KR" baseline="0" dirty="0"/>
-              <a:t>*</a:t>
-            </a:r>
-            <a:r>
-              <a:rPr lang="ko-KR" altLang="en-US" baseline="0" dirty="0"/>
-              <a:t>테스트 </a:t>
-            </a:r>
-            <a:r>
-              <a:rPr lang="en-US" altLang="ko-KR" baseline="0" dirty="0"/>
-              <a:t>– </a:t>
-            </a:r>
-            <a:r>
-              <a:rPr lang="ko-KR" altLang="en-US" baseline="0" dirty="0"/>
-              <a:t>개발된 시스템이 요구사항을 충족하는지 검증</a:t>
-            </a:r>
-            <a:r>
-              <a:rPr lang="en-US" altLang="ko-KR" baseline="0" dirty="0"/>
-              <a:t>, </a:t>
-            </a:r>
-            <a:r>
-              <a:rPr lang="ko-KR" altLang="en-US" baseline="0" dirty="0"/>
-              <a:t>결함 발견 및 수정</a:t>
-            </a:r>
-            <a:endParaRPr lang="en-US" altLang="ko-KR" baseline="0" dirty="0"/>
-          </a:p>
-          <a:p>
-            <a:pPr marL="171450" indent="-171450">
-              <a:buFont typeface="Arial" panose="020B0604020202020204" pitchFamily="34" charset="0"/>
-              <a:buChar char="•"/>
-            </a:pPr>
-            <a:endParaRPr lang="en-US" altLang="ko-KR" baseline="0" dirty="0"/>
-          </a:p>
-          <a:p>
-            <a:pPr marL="0" indent="0">
-              <a:buFont typeface="Arial" panose="020B0604020202020204" pitchFamily="34" charset="0"/>
-              <a:buNone/>
-            </a:pPr>
-            <a:r>
-              <a:rPr lang="en-US" altLang="ko-KR" dirty="0"/>
-              <a:t>**</a:t>
-            </a:r>
-            <a:r>
-              <a:rPr lang="ko-KR" altLang="en-US" dirty="0"/>
-              <a:t> 인도 </a:t>
-            </a:r>
-            <a:r>
-              <a:rPr lang="en-US" altLang="ko-KR" dirty="0"/>
-              <a:t>: </a:t>
-            </a:r>
-            <a:r>
-              <a:rPr lang="ko-KR" altLang="en-US" dirty="0"/>
-              <a:t>개발된 소프트웨어를 고객</a:t>
-            </a:r>
-            <a:r>
-              <a:rPr lang="en-US" altLang="ko-KR" dirty="0"/>
-              <a:t>(</a:t>
-            </a:r>
-            <a:r>
-              <a:rPr lang="ko-KR" altLang="en-US" dirty="0"/>
-              <a:t>사용자</a:t>
-            </a:r>
-            <a:r>
-              <a:rPr lang="en-US" altLang="ko-KR" dirty="0"/>
-              <a:t>)</a:t>
-            </a:r>
-            <a:r>
-              <a:rPr lang="ko-KR" altLang="en-US" dirty="0"/>
-              <a:t>에게 전달하고 배포하는 과정</a:t>
-            </a:r>
-            <a:r>
-              <a:rPr lang="en-US" altLang="ko-KR" dirty="0" smtClean="0"/>
-              <a:t>.</a:t>
-            </a:r>
-          </a:p>
-          <a:p>
-            <a:pPr marL="0" indent="0">
-              <a:buFont typeface="Arial" panose="020B0604020202020204" pitchFamily="34" charset="0"/>
-              <a:buNone/>
-            </a:pPr>
-            <a:endParaRPr lang="en-US" altLang="ko-KR" dirty="0" smtClean="0"/>
-          </a:p>
-          <a:p>
-            <a:pPr marL="0" indent="0">
-              <a:buFont typeface="Arial" panose="020B0604020202020204" pitchFamily="34" charset="0"/>
-              <a:buNone/>
-            </a:pPr>
-            <a:r>
-              <a:rPr lang="en-US" altLang="ko-KR" dirty="0" smtClean="0"/>
-              <a:t>* </a:t>
-            </a:r>
-            <a:r>
-              <a:rPr lang="ko-KR" altLang="en-US" dirty="0" smtClean="0"/>
-              <a:t>유지보수 </a:t>
-            </a:r>
-            <a:r>
-              <a:rPr lang="en-US" altLang="ko-KR" dirty="0" smtClean="0"/>
-              <a:t>– </a:t>
-            </a:r>
-            <a:r>
-              <a:rPr lang="ko-KR" altLang="en-US" dirty="0" smtClean="0"/>
-              <a:t>운영하면서 필요 시 수정</a:t>
-            </a:r>
-            <a:r>
-              <a:rPr lang="en-US" altLang="ko-KR" dirty="0" smtClean="0"/>
-              <a:t>, </a:t>
-            </a:r>
-            <a:r>
-              <a:rPr lang="ko-KR" altLang="en-US" dirty="0" smtClean="0"/>
-              <a:t>업그레이드</a:t>
-            </a:r>
-            <a:r>
-              <a:rPr lang="en-US" altLang="ko-KR" dirty="0" smtClean="0"/>
-              <a:t>, </a:t>
-            </a:r>
-            <a:r>
-              <a:rPr lang="ko-KR" altLang="en-US" dirty="0" err="1" smtClean="0"/>
-              <a:t>버그수정</a:t>
-            </a:r>
-            <a:r>
-              <a:rPr lang="ko-KR" altLang="en-US" dirty="0" smtClean="0"/>
-              <a:t> 진행</a:t>
-            </a:r>
             <a:endParaRPr lang="en-US" altLang="ko-KR" dirty="0"/>
           </a:p>
         </p:txBody>
@@ -4113,169 +2944,6 @@
           <a:bodyPr/>
           <a:lstStyle/>
           <a:p>
-            <a:r>
-              <a:rPr lang="en-US" altLang="ko-KR" dirty="0" err="1" smtClean="0"/>
-              <a:t>git</a:t>
-            </a:r>
-            <a:r>
-              <a:rPr lang="en-US" altLang="ko-KR" baseline="0" dirty="0" smtClean="0"/>
-              <a:t> fetch –p origin</a:t>
-            </a:r>
-          </a:p>
-          <a:p>
-            <a:r>
-              <a:rPr lang="ko-KR" altLang="en-US" dirty="0" smtClean="0"/>
-              <a:t>👉 </a:t>
-            </a:r>
-            <a:r>
-              <a:rPr lang="ko-KR" altLang="en-US" b="1" dirty="0" smtClean="0"/>
-              <a:t>원격 저장소</a:t>
-            </a:r>
-            <a:r>
-              <a:rPr lang="en-US" altLang="ko-KR" b="1" dirty="0" smtClean="0"/>
-              <a:t>(origin)</a:t>
-            </a:r>
-            <a:r>
-              <a:rPr lang="ko-KR" altLang="en-US" b="1" dirty="0" smtClean="0"/>
-              <a:t>의 최신 </a:t>
-            </a:r>
-            <a:r>
-              <a:rPr lang="ko-KR" altLang="en-US" b="1" dirty="0" err="1" smtClean="0"/>
-              <a:t>브랜치</a:t>
-            </a:r>
-            <a:r>
-              <a:rPr lang="ko-KR" altLang="en-US" b="1" dirty="0" smtClean="0"/>
-              <a:t> 목록을 로컬에 동기화</a:t>
-            </a:r>
-            <a:r>
-              <a:rPr lang="ko-KR" altLang="en-US" dirty="0" smtClean="0"/>
-              <a:t>하고</a:t>
-            </a:r>
-            <a:r>
-              <a:rPr lang="en-US" altLang="ko-KR" dirty="0" smtClean="0"/>
-              <a:t>,</a:t>
-            </a:r>
-            <a:br>
-              <a:rPr lang="en-US" altLang="ko-KR" dirty="0" smtClean="0"/>
-            </a:br>
-            <a:r>
-              <a:rPr lang="ko-KR" altLang="en-US" dirty="0" smtClean="0"/>
-              <a:t>👉 </a:t>
-            </a:r>
-            <a:r>
-              <a:rPr lang="ko-KR" altLang="en-US" b="1" dirty="0" smtClean="0"/>
-              <a:t>더 이상 존재하지 않는</a:t>
-            </a:r>
-            <a:r>
-              <a:rPr lang="en-US" altLang="ko-KR" b="1" dirty="0" smtClean="0"/>
-              <a:t>(</a:t>
-            </a:r>
-            <a:r>
-              <a:rPr lang="ko-KR" altLang="en-US" b="1" dirty="0" smtClean="0"/>
-              <a:t>삭제된</a:t>
-            </a:r>
-            <a:r>
-              <a:rPr lang="en-US" altLang="ko-KR" b="1" dirty="0" smtClean="0"/>
-              <a:t>) </a:t>
-            </a:r>
-            <a:r>
-              <a:rPr lang="ko-KR" altLang="en-US" b="1" dirty="0" smtClean="0"/>
-              <a:t>원격 </a:t>
-            </a:r>
-            <a:r>
-              <a:rPr lang="ko-KR" altLang="en-US" b="1" dirty="0" err="1" smtClean="0"/>
-              <a:t>브랜치</a:t>
-            </a:r>
-            <a:r>
-              <a:rPr lang="ko-KR" altLang="en-US" b="1" dirty="0" smtClean="0"/>
-              <a:t> 정보를 로컬에서 정리</a:t>
-            </a:r>
-            <a:r>
-              <a:rPr lang="en-US" altLang="ko-KR" b="1" dirty="0" smtClean="0"/>
-              <a:t>(</a:t>
-            </a:r>
-            <a:r>
-              <a:rPr lang="ko-KR" altLang="en-US" b="1" dirty="0" smtClean="0"/>
-              <a:t>삭제</a:t>
-            </a:r>
-            <a:r>
-              <a:rPr lang="en-US" altLang="ko-KR" b="1" dirty="0" smtClean="0"/>
-              <a:t>)</a:t>
-            </a:r>
-            <a:r>
-              <a:rPr lang="ko-KR" altLang="en-US" dirty="0" smtClean="0"/>
-              <a:t> 해줍니다</a:t>
-            </a:r>
-            <a:r>
-              <a:rPr lang="en-US" altLang="ko-KR" dirty="0" smtClean="0"/>
-              <a:t>.</a:t>
-            </a:r>
-          </a:p>
-          <a:p>
-            <a:r>
-              <a:rPr lang="en-US" altLang="ko-KR" dirty="0" smtClean="0"/>
-              <a:t>-p</a:t>
-            </a:r>
-            <a:r>
-              <a:rPr lang="ko-KR" altLang="en-US" dirty="0" smtClean="0"/>
-              <a:t>는 </a:t>
-            </a:r>
-            <a:r>
-              <a:rPr lang="en-US" altLang="ko-KR" dirty="0" smtClean="0"/>
-              <a:t>--prune</a:t>
-            </a:r>
-            <a:r>
-              <a:rPr lang="ko-KR" altLang="en-US" dirty="0" smtClean="0"/>
-              <a:t>의 </a:t>
-            </a:r>
-            <a:r>
-              <a:rPr lang="ko-KR" altLang="en-US" dirty="0" err="1" smtClean="0"/>
-              <a:t>줄임말로</a:t>
-            </a:r>
-            <a:r>
-              <a:rPr lang="en-US" altLang="ko-KR" dirty="0" smtClean="0"/>
-              <a:t>,</a:t>
-            </a:r>
-          </a:p>
-          <a:p>
-            <a:r>
-              <a:rPr lang="en-US" altLang="ko-KR" dirty="0" smtClean="0"/>
-              <a:t>“</a:t>
-            </a:r>
-            <a:r>
-              <a:rPr lang="ko-KR" altLang="en-US" dirty="0" smtClean="0"/>
-              <a:t>원격 저장소에서 </a:t>
-            </a:r>
-            <a:r>
-              <a:rPr lang="ko-KR" altLang="en-US" b="1" dirty="0" smtClean="0"/>
-              <a:t>삭제된 </a:t>
-            </a:r>
-            <a:r>
-              <a:rPr lang="ko-KR" altLang="en-US" b="1" dirty="0" err="1" smtClean="0"/>
-              <a:t>브랜치</a:t>
-            </a:r>
-            <a:r>
-              <a:rPr lang="ko-KR" altLang="en-US" dirty="0" err="1" smtClean="0"/>
-              <a:t>들을</a:t>
-            </a:r>
-            <a:r>
-              <a:rPr lang="ko-KR" altLang="en-US" dirty="0" smtClean="0"/>
-              <a:t> 내 로컬에서도 자동 정리해줘</a:t>
-            </a:r>
-            <a:r>
-              <a:rPr lang="en-US" altLang="ko-KR" dirty="0" smtClean="0"/>
-              <a:t>!” </a:t>
-            </a:r>
-            <a:r>
-              <a:rPr lang="ko-KR" altLang="en-US" dirty="0" smtClean="0"/>
-              <a:t>라는 뜻입니다</a:t>
-            </a:r>
-            <a:r>
-              <a:rPr lang="en-US" altLang="ko-KR" dirty="0" smtClean="0"/>
-              <a:t>.</a:t>
-            </a:r>
-          </a:p>
-          <a:p>
             <a:endParaRPr lang="ko-KR" altLang="en-US" dirty="0"/>
           </a:p>
         </p:txBody>
@@ -4447,26 +3115,7 @@
           <a:bodyPr/>
           <a:lstStyle/>
           <a:p>
-            <a:r>
-              <a:rPr lang="ko-KR" altLang="en-US"/>
-              <a:t>여기서 </a:t>
-            </a:r>
-            <a:r>
-              <a:rPr lang="en-US" altLang="ko-KR"/>
-              <a:t>rule</a:t>
-            </a:r>
-            <a:r>
-              <a:rPr lang="ko-KR" altLang="en-US"/>
-              <a:t>은 잠시 </a:t>
-            </a:r>
-            <a:r>
-              <a:rPr lang="en-US" altLang="ko-KR"/>
-              <a:t>disabled</a:t>
-            </a:r>
-            <a:r>
-              <a:rPr lang="ko-KR" altLang="en-US"/>
-              <a:t>해도됨</a:t>
-            </a:r>
+            <a:endParaRPr lang="ko-KR" altLang="en-US" dirty="0"/>
           </a:p>
         </p:txBody>
       </p:sp>
@@ -4718,48 +3367,7 @@
           <a:bodyPr/>
           <a:lstStyle/>
           <a:p>
-            <a:r>
-              <a:rPr lang="en-US" altLang="ko-KR" dirty="0"/>
-              <a:t>*</a:t>
-            </a:r>
-            <a:r>
-              <a:rPr lang="ko-KR" altLang="en-US" dirty="0"/>
-              <a:t>단점</a:t>
-            </a:r>
-            <a:endParaRPr lang="en-US" altLang="ko-KR" dirty="0"/>
-          </a:p>
-          <a:p>
-            <a:r>
-              <a:rPr lang="ko-KR" altLang="en-US" dirty="0"/>
-              <a:t>요구사항 변경에 유연하게 대응하기 어려움</a:t>
-            </a:r>
-            <a:r>
-              <a:rPr lang="en-US" altLang="ko-KR" dirty="0"/>
-              <a:t>.</a:t>
-            </a:r>
-          </a:p>
-          <a:p>
-            <a:r>
-              <a:rPr lang="ko-KR" altLang="en-US" dirty="0"/>
-              <a:t>후반 단계에서 결함을 발견하기 때문에 수정 비용이 많이 </a:t>
-            </a:r>
-            <a:r>
-              <a:rPr lang="ko-KR" altLang="en-US" dirty="0" err="1"/>
-              <a:t>듬</a:t>
-            </a:r>
-            <a:r>
-              <a:rPr lang="en-US" altLang="ko-KR" dirty="0"/>
-              <a:t>.</a:t>
-            </a:r>
-          </a:p>
-          <a:p>
-            <a:endParaRPr lang="en-US" altLang="ko-KR" dirty="0"/>
-          </a:p>
-          <a:p>
-            <a:r>
-              <a:rPr lang="ko-KR" altLang="en-US" dirty="0"/>
-              <a:t>요구사항이 명확하고 변화가 적은 프로젝트에 적합</a:t>
-            </a:r>
+            <a:endParaRPr lang="ko-KR" altLang="en-US" dirty="0"/>
           </a:p>
         </p:txBody>
       </p:sp>
@@ -5697,127 +4305,6 @@
           <a:bodyPr/>
           <a:lstStyle/>
           <a:p>
-            <a:r>
-              <a:rPr lang="ko-KR" altLang="en-US" dirty="0" err="1" smtClean="0"/>
-              <a:t>애자일은</a:t>
-            </a:r>
-            <a:r>
-              <a:rPr lang="ko-KR" altLang="en-US" dirty="0" smtClean="0"/>
-              <a:t> 기민한</a:t>
-            </a:r>
-            <a:r>
-              <a:rPr lang="en-US" altLang="ko-KR" dirty="0" smtClean="0"/>
-              <a:t>, </a:t>
-            </a:r>
-            <a:r>
-              <a:rPr lang="ko-KR" altLang="en-US" dirty="0" smtClean="0"/>
-              <a:t>민첩한 이라는 뜻</a:t>
-            </a:r>
-            <a:endParaRPr lang="en-US" altLang="ko-KR" dirty="0" smtClean="0"/>
-          </a:p>
-          <a:p>
-            <a:endParaRPr lang="en-US" altLang="ko-KR" dirty="0" smtClean="0"/>
-          </a:p>
-          <a:p>
-            <a:r>
-              <a:rPr lang="en-US" altLang="ko-KR" dirty="0" smtClean="0"/>
-              <a:t>* </a:t>
-            </a:r>
-            <a:r>
-              <a:rPr lang="ko-KR" altLang="en-US" dirty="0" smtClean="0"/>
-              <a:t>짧은 주기의 </a:t>
-            </a:r>
-            <a:r>
-              <a:rPr lang="ko-KR" altLang="en-US" dirty="0" err="1" smtClean="0"/>
-              <a:t>개발단위</a:t>
-            </a:r>
-            <a:r>
-              <a:rPr lang="ko-KR" altLang="en-US" dirty="0" smtClean="0"/>
-              <a:t> </a:t>
-            </a:r>
-            <a:r>
-              <a:rPr lang="en-US" altLang="ko-KR" dirty="0" smtClean="0"/>
-              <a:t>-&gt;</a:t>
-            </a:r>
-            <a:r>
-              <a:rPr lang="en-US" altLang="ko-KR" baseline="0" dirty="0" smtClean="0"/>
-              <a:t> </a:t>
-            </a:r>
-            <a:r>
-              <a:rPr lang="en-US" altLang="ko-KR" dirty="0" smtClean="0"/>
-              <a:t>( </a:t>
-            </a:r>
-            <a:r>
-              <a:rPr lang="ko-KR" altLang="en-US" dirty="0" smtClean="0"/>
-              <a:t>설계</a:t>
-            </a:r>
-            <a:r>
-              <a:rPr lang="en-US" altLang="ko-KR" dirty="0" smtClean="0"/>
-              <a:t>, </a:t>
-            </a:r>
-            <a:r>
-              <a:rPr lang="ko-KR" altLang="en-US" dirty="0" smtClean="0"/>
-              <a:t>개발</a:t>
-            </a:r>
-            <a:r>
-              <a:rPr lang="en-US" altLang="ko-KR" dirty="0" smtClean="0"/>
-              <a:t>, </a:t>
-            </a:r>
-            <a:r>
-              <a:rPr lang="ko-KR" altLang="en-US" dirty="0" smtClean="0"/>
-              <a:t>테스트</a:t>
-            </a:r>
-            <a:r>
-              <a:rPr lang="en-US" altLang="ko-KR" dirty="0" smtClean="0"/>
-              <a:t>, </a:t>
-            </a:r>
-            <a:r>
-              <a:rPr lang="ko-KR" altLang="en-US" dirty="0" smtClean="0"/>
-              <a:t>배포</a:t>
-            </a:r>
-            <a:r>
-              <a:rPr lang="en-US" altLang="ko-KR" dirty="0" smtClean="0"/>
-              <a:t>)</a:t>
-            </a:r>
-            <a:r>
-              <a:rPr lang="ko-KR" altLang="en-US" dirty="0" smtClean="0"/>
-              <a:t>를 반복</a:t>
-            </a:r>
-            <a:endParaRPr lang="en-US" altLang="ko-KR" dirty="0" smtClean="0"/>
-          </a:p>
-          <a:p>
-            <a:endParaRPr lang="en-US" altLang="ko-KR" dirty="0" smtClean="0"/>
-          </a:p>
-          <a:p>
-            <a:r>
-              <a:rPr lang="ko-KR" altLang="en-US" dirty="0" smtClean="0"/>
-              <a:t>애자일 방법론은 소프트웨어 개발에서 변화를 수용하고</a:t>
-            </a:r>
-            <a:r>
-              <a:rPr lang="en-US" altLang="ko-KR" dirty="0" smtClean="0"/>
-              <a:t>, </a:t>
-            </a:r>
-            <a:r>
-              <a:rPr lang="ko-KR" altLang="en-US" dirty="0" smtClean="0"/>
-              <a:t>빠르게 적응하며</a:t>
-            </a:r>
-            <a:r>
-              <a:rPr lang="en-US" altLang="ko-KR" dirty="0" smtClean="0"/>
-              <a:t>, </a:t>
-            </a:r>
-            <a:r>
-              <a:rPr lang="ko-KR" altLang="en-US" dirty="0" smtClean="0"/>
-              <a:t>지속적으로 개선하기 위한 접근 방식</a:t>
-            </a:r>
-            <a:r>
-              <a:rPr lang="en-US" altLang="ko-KR" dirty="0" smtClean="0"/>
-              <a:t>.</a:t>
-            </a:r>
-          </a:p>
-          <a:p>
-            <a:endParaRPr lang="ko-KR" altLang="en-US" dirty="0" smtClean="0"/>
-          </a:p>
-          <a:p>
             <a:endParaRPr lang="ko-KR" altLang="en-US" dirty="0"/>
           </a:p>
         </p:txBody>
@@ -6154,47 +4641,6 @@
           <a:bodyPr/>
           <a:lstStyle/>
           <a:p>
-            <a:r>
-              <a:rPr lang="ko-KR" altLang="en-US" dirty="0" smtClean="0"/>
-              <a:t>긴 개발 주기를 여러 개의 짧은 반복으로 나누어서 개발</a:t>
-            </a:r>
-            <a:r>
-              <a:rPr lang="en-US" altLang="ko-KR" dirty="0" smtClean="0"/>
-              <a:t>.</a:t>
-            </a:r>
-          </a:p>
-          <a:p>
-            <a:endParaRPr lang="en-US" altLang="ko-KR" dirty="0" smtClean="0"/>
-          </a:p>
-          <a:p>
-            <a:r>
-              <a:rPr lang="ko-KR" altLang="en-US" dirty="0" err="1" smtClean="0"/>
-              <a:t>애자일은</a:t>
-            </a:r>
-            <a:r>
-              <a:rPr lang="ko-KR" altLang="en-US" dirty="0" smtClean="0"/>
-              <a:t> 고객과의 협력을 중시</a:t>
-            </a:r>
-            <a:r>
-              <a:rPr lang="en-US" altLang="ko-KR" dirty="0" smtClean="0"/>
-              <a:t>, </a:t>
-            </a:r>
-            <a:r>
-              <a:rPr lang="ko-KR" altLang="en-US" dirty="0" smtClean="0"/>
-              <a:t>지속적으로 고객의 피드백을 받아서 바로바로 반영하고 고객의 요구사항 변화에 유연하게 대응함</a:t>
-            </a:r>
-            <a:r>
-              <a:rPr lang="en-US" altLang="ko-KR" dirty="0" smtClean="0"/>
-              <a:t>.</a:t>
-            </a:r>
-          </a:p>
-          <a:p>
-            <a:endParaRPr lang="en-US" altLang="ko-KR" dirty="0" smtClean="0"/>
-          </a:p>
-          <a:p>
-            <a:endParaRPr lang="ko-KR" altLang="en-US" dirty="0" smtClean="0"/>
-          </a:p>
-          <a:p>
             <a:endParaRPr lang="ko-KR" altLang="en-US" dirty="0"/>
           </a:p>
         </p:txBody>
@@ -6279,32 +4725,6 @@
           <a:bodyPr/>
           <a:lstStyle/>
           <a:p>
-            <a:r>
-              <a:rPr lang="ko-KR" altLang="en-US" dirty="0"/>
-              <a:t>대표적인 애자일 프레임워크</a:t>
-            </a:r>
-            <a:endParaRPr lang="en-US" altLang="ko-KR" dirty="0"/>
-          </a:p>
-          <a:p>
-            <a:endParaRPr lang="en-US" altLang="ko-KR" dirty="0"/>
-          </a:p>
-          <a:p>
-            <a:r>
-              <a:rPr lang="ko-KR" altLang="en-US" dirty="0"/>
-              <a:t>애자일 개발 방법론은 </a:t>
-            </a:r>
-            <a:r>
-              <a:rPr lang="en-US" altLang="ko-KR" dirty="0"/>
-              <a:t>/ </a:t>
-            </a:r>
-            <a:r>
-              <a:rPr lang="ko-KR" altLang="en-US" dirty="0"/>
-              <a:t>특정 개발 방법론을 가리키는 말이 아니고 낭비 없이 신속하게 개발을 가능하게 하는 다양한 방법론을 통틀어 말함</a:t>
-            </a:r>
-            <a:r>
-              <a:rPr lang="en-US" altLang="ko-KR" dirty="0"/>
-              <a:t>.</a:t>
-            </a:r>
             <a:endParaRPr lang="ko-KR" altLang="en-US" dirty="0"/>
           </a:p>
         </p:txBody>
@@ -6389,186 +4809,7 @@
           <a:bodyPr/>
           <a:lstStyle/>
           <a:p>
-            <a:r>
-              <a:rPr lang="en-US" altLang="ko-KR" dirty="0"/>
-              <a:t>**</a:t>
-            </a:r>
-            <a:r>
-              <a:rPr lang="ko-KR" altLang="en-US" dirty="0"/>
-              <a:t>스프린트</a:t>
-            </a:r>
-            <a:endParaRPr lang="en-US" altLang="ko-KR" dirty="0"/>
-          </a:p>
-          <a:p>
-            <a:pPr marL="171450" indent="-171450">
-              <a:buFontTx/>
-              <a:buChar char="-"/>
-            </a:pPr>
-            <a:r>
-              <a:rPr lang="ko-KR" altLang="en-US" dirty="0"/>
-              <a:t>전력질주라는 뜻</a:t>
-            </a:r>
-            <a:r>
-              <a:rPr lang="en-US" altLang="ko-KR" dirty="0"/>
-              <a:t>.</a:t>
-            </a:r>
-          </a:p>
-          <a:p>
-            <a:pPr marL="171450" indent="-171450">
-              <a:buFontTx/>
-              <a:buChar char="-"/>
-            </a:pPr>
-            <a:r>
-              <a:rPr lang="ko-KR" altLang="en-US" dirty="0"/>
-              <a:t>반복적인 </a:t>
-            </a:r>
-            <a:r>
-              <a:rPr lang="ko-KR" altLang="en-US" dirty="0" err="1"/>
-              <a:t>개발주기를</a:t>
-            </a:r>
-            <a:r>
-              <a:rPr lang="ko-KR" altLang="en-US" dirty="0"/>
-              <a:t> 의미</a:t>
-            </a:r>
-            <a:r>
-              <a:rPr lang="en-US" altLang="ko-KR" dirty="0"/>
-              <a:t>.</a:t>
-            </a:r>
-          </a:p>
-          <a:p>
-            <a:pPr marL="171450" indent="-171450">
-              <a:buFontTx/>
-              <a:buChar char="-"/>
-            </a:pPr>
-            <a:endParaRPr lang="en-US" altLang="ko-KR" i="1" dirty="0"/>
-          </a:p>
-          <a:p>
-            <a:pPr marL="171450" indent="-171450">
-              <a:buFontTx/>
-              <a:buChar char="-"/>
-            </a:pPr>
-            <a:endParaRPr lang="en-US" altLang="ko-KR" dirty="0"/>
-          </a:p>
-          <a:p>
-            <a:pPr marL="0" indent="0">
-              <a:buFontTx/>
-              <a:buNone/>
-            </a:pPr>
-            <a:r>
-              <a:rPr lang="en-US" altLang="ko-KR" dirty="0"/>
-              <a:t>** </a:t>
-            </a:r>
-            <a:r>
-              <a:rPr lang="ko-KR" altLang="en-US" dirty="0"/>
-              <a:t>스프린트 회고</a:t>
-            </a:r>
-            <a:endParaRPr lang="en-US" altLang="ko-KR" dirty="0"/>
-          </a:p>
-          <a:p>
-            <a:pPr marL="171450" indent="-171450">
-              <a:buFontTx/>
-              <a:buChar char="-"/>
-            </a:pPr>
-            <a:r>
-              <a:rPr lang="ko-KR" altLang="en-US" dirty="0"/>
-              <a:t>스프린트 활동을 되돌아보며 개선점 검토</a:t>
-            </a:r>
-            <a:r>
-              <a:rPr lang="en-US" altLang="ko-KR" dirty="0"/>
-              <a:t>.</a:t>
-            </a:r>
-          </a:p>
-          <a:p>
-            <a:pPr marL="171450" indent="-171450">
-              <a:buFontTx/>
-              <a:buChar char="-"/>
-            </a:pPr>
-            <a:endParaRPr lang="en-US" altLang="ko-KR" dirty="0"/>
-          </a:p>
-          <a:p>
-            <a:pPr marL="0" indent="0">
-              <a:buFontTx/>
-              <a:buNone/>
-            </a:pPr>
-            <a:r>
-              <a:rPr lang="ko-KR" altLang="en-US" dirty="0"/>
-              <a:t>장점 </a:t>
-            </a:r>
-            <a:r>
-              <a:rPr lang="en-US" altLang="ko-KR" dirty="0"/>
-              <a:t>– </a:t>
-            </a:r>
-            <a:r>
-              <a:rPr lang="ko-KR" altLang="en-US" dirty="0"/>
-              <a:t>스프린트 마다 실행 가능한 결과물을 통해 사용자와 충분한 의견 나눔</a:t>
-            </a:r>
-            <a:endParaRPr lang="en-US" altLang="ko-KR" dirty="0"/>
-          </a:p>
-          <a:p>
-            <a:pPr marL="171450" indent="-171450">
-              <a:buFontTx/>
-              <a:buChar char="-"/>
-            </a:pPr>
-            <a:r>
-              <a:rPr lang="ko-KR" altLang="en-US" dirty="0" err="1"/>
-              <a:t>일일회의를</a:t>
-            </a:r>
-            <a:r>
-              <a:rPr lang="ko-KR" altLang="en-US" dirty="0"/>
-              <a:t> 통해 팀원 간 신속한 조율 가능</a:t>
-            </a:r>
-            <a:endParaRPr lang="en-US" altLang="ko-KR" dirty="0"/>
-          </a:p>
-          <a:p>
-            <a:pPr marL="171450" indent="-171450">
-              <a:buFontTx/>
-              <a:buChar char="-"/>
-            </a:pPr>
-            <a:endParaRPr lang="en-US" altLang="ko-KR" dirty="0"/>
-          </a:p>
-          <a:p>
-            <a:pPr marL="0" indent="0">
-              <a:buFontTx/>
-              <a:buNone/>
-            </a:pPr>
-            <a:r>
-              <a:rPr lang="ko-KR" altLang="en-US" dirty="0"/>
-              <a:t>단점 </a:t>
-            </a:r>
-            <a:r>
-              <a:rPr lang="en-US" altLang="ko-KR" dirty="0"/>
-              <a:t>– </a:t>
-            </a:r>
-            <a:r>
-              <a:rPr lang="ko-KR" altLang="en-US" dirty="0"/>
-              <a:t>추가 작업 시간 필요 </a:t>
-            </a:r>
-            <a:r>
-              <a:rPr lang="en-US" altLang="ko-KR" dirty="0"/>
-              <a:t>(</a:t>
-            </a:r>
-            <a:r>
-              <a:rPr lang="ko-KR" altLang="en-US" dirty="0"/>
-              <a:t>스프린트가 끝날 때마다 실행 가능한 결과물이 필요하므로 작업 시간이 더 필요</a:t>
-            </a:r>
-            <a:r>
-              <a:rPr lang="en-US" altLang="ko-KR" dirty="0"/>
-              <a:t>)</a:t>
-            </a:r>
-          </a:p>
-          <a:p>
-            <a:pPr marL="0" indent="0">
-              <a:buFontTx/>
-              <a:buNone/>
-            </a:pPr>
-            <a:r>
-              <a:rPr lang="en-US" altLang="ko-KR" dirty="0"/>
-              <a:t>- </a:t>
-            </a:r>
-            <a:r>
-              <a:rPr lang="ko-KR" altLang="en-US" dirty="0"/>
-              <a:t>프로세스 품질 평가 불가</a:t>
-            </a:r>
+            <a:endParaRPr lang="ko-KR" altLang="en-US" dirty="0"/>
           </a:p>
         </p:txBody>
       </p:sp>
@@ -6652,66 +4893,6 @@
           <a:bodyPr/>
           <a:lstStyle/>
           <a:p>
-            <a:r>
-              <a:rPr lang="en-US" altLang="ko-KR" dirty="0"/>
-              <a:t>https://juni-official.tistory.com/190</a:t>
-            </a:r>
-            <a:br>
-              <a:rPr lang="en-US" altLang="ko-KR" dirty="0"/>
-            </a:br>
-            <a:r>
-              <a:rPr lang="en-US" altLang="ko-KR" dirty="0"/>
-              <a:t/>
-            </a:r>
-            <a:br>
-              <a:rPr lang="en-US" altLang="ko-KR" dirty="0"/>
-            </a:br>
-            <a:r>
-              <a:rPr lang="ko-KR" altLang="en-US" dirty="0"/>
-              <a:t>매일 일일 스크럼회의 </a:t>
-            </a:r>
-            <a:r>
-              <a:rPr lang="en-US" altLang="ko-KR" dirty="0"/>
-              <a:t>(daily Scrum)</a:t>
-            </a:r>
-          </a:p>
-          <a:p>
-            <a:r>
-              <a:rPr lang="en-US" altLang="ko-KR" dirty="0"/>
-              <a:t>-</a:t>
-            </a:r>
-            <a:r>
-              <a:rPr lang="en-US" altLang="ko-KR" baseline="0" dirty="0"/>
-              <a:t> </a:t>
-            </a:r>
-            <a:r>
-              <a:rPr lang="ko-KR" altLang="en-US" baseline="0" dirty="0"/>
-              <a:t>짧게 </a:t>
-            </a:r>
-            <a:r>
-              <a:rPr lang="en-US" altLang="ko-KR" baseline="0" dirty="0"/>
-              <a:t>15</a:t>
-            </a:r>
-            <a:r>
-              <a:rPr lang="ko-KR" altLang="en-US" baseline="0" dirty="0"/>
-              <a:t>분 정도의 시간으로 진행 상황 점검이나 간단하게 </a:t>
-            </a:r>
-            <a:r>
-              <a:rPr lang="ko-KR" altLang="en-US" baseline="0" dirty="0" err="1"/>
-              <a:t>진적</a:t>
-            </a:r>
-            <a:r>
-              <a:rPr lang="ko-KR" altLang="en-US" baseline="0" dirty="0"/>
-              <a:t> 상황 등을 회의</a:t>
-            </a:r>
-            <a:r>
-              <a:rPr lang="en-US" altLang="ko-KR" baseline="0" dirty="0"/>
-              <a:t>, </a:t>
-            </a:r>
-            <a:r>
-              <a:rPr lang="ko-KR" altLang="en-US" baseline="0" dirty="0"/>
-              <a:t>조직마다 다름</a:t>
-            </a:r>
             <a:endParaRPr lang="ko-KR" altLang="en-US" dirty="0"/>
           </a:p>
         </p:txBody>
@@ -6893,7 +5074,7 @@
           <a:p>
             <a:fld id="{442BEE3F-2E9A-4FD8-8B8A-8619F3E161C0}" type="datetime1">
               <a:rPr lang="ko-KR" altLang="en-US" smtClean="0"/>
-              <a:t>2025-04-22</a:t>
+              <a:t>2025-06-08</a:t>
             </a:fld>
             <a:endParaRPr lang="ko-KR" altLang="en-US"/>
           </a:p>
@@ -7079,7 +5260,7 @@
           <a:p>
             <a:fld id="{2EAE422B-0E68-47B5-84BB-CA2BDA8EE46C}" type="datetime1">
               <a:rPr lang="ko-KR" altLang="en-US" smtClean="0"/>
-              <a:t>2025-04-22</a:t>
+              <a:t>2025-06-08</a:t>
             </a:fld>
             <a:endParaRPr lang="ko-KR" altLang="en-US"/>
           </a:p>
@@ -7287,7 +5468,7 @@
           <a:p>
             <a:fld id="{AF7C623F-179B-417F-99B6-50F6DF228D4B}" type="datetime1">
               <a:rPr lang="ko-KR" altLang="en-US" smtClean="0"/>
-              <a:t>2025-04-22</a:t>
+              <a:t>2025-06-08</a:t>
             </a:fld>
             <a:endParaRPr lang="ko-KR" altLang="en-US"/>
           </a:p>
@@ -7516,7 +5697,7 @@
           <a:p>
             <a:fld id="{0F78D9C4-20C1-4B15-A116-16DC77AD9A1E}" type="datetime1">
               <a:rPr lang="ko-KR" altLang="en-US" smtClean="0"/>
-              <a:t>2025-04-22</a:t>
+              <a:t>2025-06-08</a:t>
             </a:fld>
             <a:endParaRPr lang="ko-KR" altLang="en-US"/>
           </a:p>
@@ -7791,7 +5972,7 @@
           <a:p>
             <a:fld id="{C7F43723-C509-4DEA-8428-B50818F79709}" type="datetime1">
               <a:rPr lang="ko-KR" altLang="en-US" smtClean="0"/>
-              <a:t>2025-04-22</a:t>
+              <a:t>2025-06-08</a:t>
             </a:fld>
             <a:endParaRPr lang="ko-KR" altLang="en-US"/>
           </a:p>
@@ -8056,7 +6237,7 @@
           <a:p>
             <a:fld id="{5D2B7482-EE74-4DBD-97F4-D0DAC0C0E4E5}" type="datetime1">
               <a:rPr lang="ko-KR" altLang="en-US" smtClean="0"/>
-              <a:t>2025-04-22</a:t>
+              <a:t>2025-06-08</a:t>
             </a:fld>
             <a:endParaRPr lang="ko-KR" altLang="en-US"/>
           </a:p>
@@ -8469,7 +6650,7 @@
           <a:p>
             <a:fld id="{051A8C49-CED7-4A86-9B4A-621D7F62EE92}" type="datetime1">
               <a:rPr lang="ko-KR" altLang="en-US" smtClean="0"/>
-              <a:t>2025-04-22</a:t>
+              <a:t>2025-06-08</a:t>
             </a:fld>
             <a:endParaRPr lang="ko-KR" altLang="en-US"/>
           </a:p>
@@ -8616,7 +6797,7 @@
           <a:p>
             <a:fld id="{84082D76-7079-412D-848B-E1B9E7A6A286}" type="datetime1">
               <a:rPr lang="ko-KR" altLang="en-US" smtClean="0"/>
-              <a:t>2025-04-22</a:t>
+              <a:t>2025-06-08</a:t>
             </a:fld>
             <a:endParaRPr lang="ko-KR" altLang="en-US"/>
           </a:p>
@@ -8729,7 +6910,7 @@
           <a:p>
             <a:fld id="{10C5FEB5-5F88-4F49-9108-1795E314F09F}" type="datetime1">
               <a:rPr lang="ko-KR" altLang="en-US" smtClean="0"/>
-              <a:t>2025-04-22</a:t>
+              <a:t>2025-06-08</a:t>
             </a:fld>
             <a:endParaRPr lang="ko-KR" altLang="en-US"/>
           </a:p>
@@ -9040,7 +7221,7 @@
           <a:p>
             <a:fld id="{E37ABBEE-D8D4-48AD-9887-4DC578B8A684}" type="datetime1">
               <a:rPr lang="ko-KR" altLang="en-US" smtClean="0"/>
-              <a:t>2025-04-22</a:t>
+              <a:t>2025-06-08</a:t>
             </a:fld>
             <a:endParaRPr lang="ko-KR" altLang="en-US"/>
           </a:p>
@@ -9331,7 +7512,7 @@
           <a:p>
             <a:fld id="{A2D6A55C-F3DD-45DD-9D50-F8680410167D}" type="datetime1">
               <a:rPr lang="ko-KR" altLang="en-US" smtClean="0"/>
-              <a:t>2025-04-22</a:t>
+              <a:t>2025-06-08</a:t>
             </a:fld>
             <a:endParaRPr lang="ko-KR" altLang="en-US"/>
           </a:p>
@@ -9575,7 +7756,7 @@
             <a:fld id="{7F5E23C3-0E3D-4E4E-8486-D7FB4C073DC1}" type="datetime1">
               <a:rPr lang="ko-KR" altLang="en-US" smtClean="0"/>
               <a:pPr/>
-              <a:t>2025-04-22</a:t>
+              <a:t>2025-06-08</a:t>
             </a:fld>
             <a:endParaRPr lang="ko-KR" altLang="en-US" dirty="0"/>
           </a:p>
@@ -10356,7 +8537,7 @@
           <a:p>
             <a:fld id="{0F78D9C4-20C1-4B15-A116-16DC77AD9A1E}" type="datetime1">
               <a:rPr lang="ko-KR" altLang="en-US" smtClean="0"/>
-              <a:t>2025-04-23</a:t>
+              <a:t>2025-06-08</a:t>
             </a:fld>
             <a:endParaRPr lang="ko-KR" altLang="en-US"/>
           </a:p>
@@ -10824,7 +9005,7 @@
           <a:p>
             <a:fld id="{0F78D9C4-20C1-4B15-A116-16DC77AD9A1E}" type="datetime1">
               <a:rPr lang="ko-KR" altLang="en-US" smtClean="0"/>
-              <a:t>2025-04-23</a:t>
+              <a:t>2025-06-08</a:t>
             </a:fld>
             <a:endParaRPr lang="ko-KR" altLang="en-US"/>
           </a:p>
@@ -12332,7 +10513,7 @@
           <a:p>
             <a:fld id="{0F78D9C4-20C1-4B15-A116-16DC77AD9A1E}" type="datetime1">
               <a:rPr lang="ko-KR" altLang="en-US" smtClean="0"/>
-              <a:t>2025-04-23</a:t>
+              <a:t>2025-06-08</a:t>
             </a:fld>
             <a:endParaRPr lang="ko-KR" altLang="en-US"/>
           </a:p>
@@ -12636,7 +10817,7 @@
           <a:p>
             <a:fld id="{0F78D9C4-20C1-4B15-A116-16DC77AD9A1E}" type="datetime1">
               <a:rPr lang="ko-KR" altLang="en-US" smtClean="0"/>
-              <a:t>2025-04-23</a:t>
+              <a:t>2025-06-08</a:t>
             </a:fld>
             <a:endParaRPr lang="ko-KR" altLang="en-US"/>
           </a:p>
@@ -12759,7 +10940,7 @@
           <a:p>
             <a:fld id="{0F78D9C4-20C1-4B15-A116-16DC77AD9A1E}" type="datetime1">
               <a:rPr lang="ko-KR" altLang="en-US" smtClean="0"/>
-              <a:t>2025-04-23</a:t>
+              <a:t>2025-06-08</a:t>
             </a:fld>
             <a:endParaRPr lang="ko-KR" altLang="en-US"/>
           </a:p>
@@ -14530,7 +12711,7 @@
           <a:p>
             <a:fld id="{0F78D9C4-20C1-4B15-A116-16DC77AD9A1E}" type="datetime1">
               <a:rPr lang="ko-KR" altLang="en-US" smtClean="0"/>
-              <a:t>2025-04-23</a:t>
+              <a:t>2025-06-08</a:t>
             </a:fld>
             <a:endParaRPr lang="ko-KR" altLang="en-US"/>
           </a:p>
@@ -14719,7 +12900,7 @@
           <a:p>
             <a:fld id="{3C9CE3CE-253F-4F9D-BA15-C226C8D8501E}" type="datetime6">
               <a:rPr lang="ko-KR" altLang="en-US" smtClean="0"/>
-              <a:t>2025년 4월</a:t>
+              <a:t>2025년 6월</a:t>
             </a:fld>
             <a:endParaRPr lang="ko-KR" altLang="en-US"/>
           </a:p>
@@ -14822,7 +13003,7 @@
                 <a14:useLocalDpi xmlns:a14="http://schemas.microsoft.com/office/drawing/2010/main" val="0"/>
               </a:ext>
               <a:ext uri="{96DAC541-7B7A-43D3-8B79-37D633B846F1}">
-                <asvg:svgBlip xmlns:asvg="http://schemas.microsoft.com/office/drawing/2016/SVG/main" xmlns="" r:embed="rId4"/>
+                <asvg:svgBlip xmlns="" xmlns:asvg="http://schemas.microsoft.com/office/drawing/2016/SVG/main" r:embed="rId4"/>
               </a:ext>
             </a:extLst>
           </a:blip>
@@ -14861,7 +13042,7 @@
                 <a14:useLocalDpi xmlns:a14="http://schemas.microsoft.com/office/drawing/2010/main" val="0"/>
               </a:ext>
               <a:ext uri="{96DAC541-7B7A-43D3-8B79-37D633B846F1}">
-                <asvg:svgBlip xmlns:asvg="http://schemas.microsoft.com/office/drawing/2016/SVG/main" xmlns="" r:embed="rId6"/>
+                <asvg:svgBlip xmlns="" xmlns:asvg="http://schemas.microsoft.com/office/drawing/2016/SVG/main" r:embed="rId6"/>
               </a:ext>
             </a:extLst>
           </a:blip>
@@ -14900,7 +13081,7 @@
                 <a14:useLocalDpi xmlns:a14="http://schemas.microsoft.com/office/drawing/2010/main" val="0"/>
               </a:ext>
               <a:ext uri="{96DAC541-7B7A-43D3-8B79-37D633B846F1}">
-                <asvg:svgBlip xmlns:asvg="http://schemas.microsoft.com/office/drawing/2016/SVG/main" xmlns="" r:embed="rId8"/>
+                <asvg:svgBlip xmlns="" xmlns:asvg="http://schemas.microsoft.com/office/drawing/2016/SVG/main" r:embed="rId8"/>
               </a:ext>
             </a:extLst>
           </a:blip>
@@ -14939,7 +13120,7 @@
                 <a14:useLocalDpi xmlns:a14="http://schemas.microsoft.com/office/drawing/2010/main" val="0"/>
               </a:ext>
               <a:ext uri="{96DAC541-7B7A-43D3-8B79-37D633B846F1}">
-                <asvg:svgBlip xmlns:asvg="http://schemas.microsoft.com/office/drawing/2016/SVG/main" xmlns="" r:embed="rId10"/>
+                <asvg:svgBlip xmlns="" xmlns:asvg="http://schemas.microsoft.com/office/drawing/2016/SVG/main" r:embed="rId10"/>
               </a:ext>
             </a:extLst>
           </a:blip>
@@ -14978,7 +13159,7 @@
                 <a14:useLocalDpi xmlns:a14="http://schemas.microsoft.com/office/drawing/2010/main" val="0"/>
               </a:ext>
               <a:ext uri="{96DAC541-7B7A-43D3-8B79-37D633B846F1}">
-                <asvg:svgBlip xmlns:asvg="http://schemas.microsoft.com/office/drawing/2016/SVG/main" xmlns="" r:embed="rId12"/>
+                <asvg:svgBlip xmlns="" xmlns:asvg="http://schemas.microsoft.com/office/drawing/2016/SVG/main" r:embed="rId12"/>
               </a:ext>
             </a:extLst>
           </a:blip>
@@ -16272,7 +14453,7 @@
           <a:p>
             <a:fld id="{0F78D9C4-20C1-4B15-A116-16DC77AD9A1E}" type="datetime1">
               <a:rPr lang="ko-KR" altLang="en-US" smtClean="0"/>
-              <a:t>2025-04-23</a:t>
+              <a:t>2025-06-08</a:t>
             </a:fld>
             <a:endParaRPr lang="ko-KR" altLang="en-US"/>
           </a:p>
@@ -16395,7 +14576,7 @@
           <a:p>
             <a:fld id="{0F78D9C4-20C1-4B15-A116-16DC77AD9A1E}" type="datetime1">
               <a:rPr lang="ko-KR" altLang="en-US" smtClean="0"/>
-              <a:t>2025-04-23</a:t>
+              <a:t>2025-06-08</a:t>
             </a:fld>
             <a:endParaRPr lang="ko-KR" altLang="en-US"/>
           </a:p>
@@ -16450,7 +14631,7 @@
           <a:blip r:embed="rId2">
             <a:extLst>
               <a:ext uri="{96DAC541-7B7A-43D3-8B79-37D633B846F1}">
-                <asvg:svgBlip xmlns:asvg="http://schemas.microsoft.com/office/drawing/2016/SVG/main" xmlns="" r:embed="rId3"/>
+                <asvg:svgBlip xmlns="" xmlns:asvg="http://schemas.microsoft.com/office/drawing/2016/SVG/main" r:embed="rId3"/>
               </a:ext>
             </a:extLst>
           </a:blip>
@@ -16538,7 +14719,7 @@
             <a:blip r:embed="rId4">
               <a:extLst>
                 <a:ext uri="{96DAC541-7B7A-43D3-8B79-37D633B846F1}">
-                  <asvg:svgBlip xmlns:asvg="http://schemas.microsoft.com/office/drawing/2016/SVG/main" xmlns="" r:embed="rId5"/>
+                  <asvg:svgBlip xmlns="" xmlns:asvg="http://schemas.microsoft.com/office/drawing/2016/SVG/main" r:embed="rId5"/>
                 </a:ext>
               </a:extLst>
             </a:blip>
@@ -16678,7 +14859,7 @@
             <a:blip r:embed="rId7">
               <a:extLst>
                 <a:ext uri="{96DAC541-7B7A-43D3-8B79-37D633B846F1}">
-                  <asvg:svgBlip xmlns:asvg="http://schemas.microsoft.com/office/drawing/2016/SVG/main" xmlns="" r:embed="rId8"/>
+                  <asvg:svgBlip xmlns="" xmlns:asvg="http://schemas.microsoft.com/office/drawing/2016/SVG/main" r:embed="rId8"/>
                 </a:ext>
               </a:extLst>
             </a:blip>
@@ -17210,7 +15391,7 @@
           <a:p>
             <a:fld id="{0F78D9C4-20C1-4B15-A116-16DC77AD9A1E}" type="datetime1">
               <a:rPr lang="ko-KR" altLang="en-US" smtClean="0"/>
-              <a:t>2025-04-23</a:t>
+              <a:t>2025-06-08</a:t>
             </a:fld>
             <a:endParaRPr lang="ko-KR" altLang="en-US"/>
           </a:p>
@@ -17544,7 +15725,7 @@
           <a:p>
             <a:fld id="{0F78D9C4-20C1-4B15-A116-16DC77AD9A1E}" type="datetime1">
               <a:rPr lang="ko-KR" altLang="en-US" smtClean="0"/>
-              <a:t>2025-04-23</a:t>
+              <a:t>2025-06-08</a:t>
             </a:fld>
             <a:endParaRPr lang="ko-KR" altLang="en-US"/>
           </a:p>
@@ -17771,7 +15952,7 @@
           <a:p>
             <a:fld id="{0F78D9C4-20C1-4B15-A116-16DC77AD9A1E}" type="datetime1">
               <a:rPr lang="ko-KR" altLang="en-US" smtClean="0"/>
-              <a:t>2025-04-23</a:t>
+              <a:t>2025-06-08</a:t>
             </a:fld>
             <a:endParaRPr lang="ko-KR" altLang="en-US"/>
           </a:p>
@@ -19970,7 +18151,7 @@
           <a:p>
             <a:fld id="{0F78D9C4-20C1-4B15-A116-16DC77AD9A1E}" type="datetime1">
               <a:rPr lang="ko-KR" altLang="en-US" smtClean="0"/>
-              <a:t>2025-04-23</a:t>
+              <a:t>2025-06-08</a:t>
             </a:fld>
             <a:endParaRPr lang="ko-KR" altLang="en-US"/>
           </a:p>
@@ -23787,7 +21968,7 @@
           <a:p>
             <a:fld id="{0F78D9C4-20C1-4B15-A116-16DC77AD9A1E}" type="datetime1">
               <a:rPr lang="ko-KR" altLang="en-US" smtClean="0"/>
-              <a:t>2025-04-23</a:t>
+              <a:t>2025-06-08</a:t>
             </a:fld>
             <a:endParaRPr lang="ko-KR" altLang="en-US"/>
           </a:p>
@@ -27565,7 +25746,7 @@
           <a:p>
             <a:fld id="{0F78D9C4-20C1-4B15-A116-16DC77AD9A1E}" type="datetime1">
               <a:rPr lang="ko-KR" altLang="en-US" smtClean="0"/>
-              <a:t>2025-04-23</a:t>
+              <a:t>2025-06-08</a:t>
             </a:fld>
             <a:endParaRPr lang="ko-KR" altLang="en-US"/>
           </a:p>
@@ -30984,7 +29165,7 @@
           <a:p>
             <a:fld id="{0F78D9C4-20C1-4B15-A116-16DC77AD9A1E}" type="datetime1">
               <a:rPr lang="ko-KR" altLang="en-US" smtClean="0"/>
-              <a:t>2025-04-23</a:t>
+              <a:t>2025-06-08</a:t>
             </a:fld>
             <a:endParaRPr lang="ko-KR" altLang="en-US"/>
           </a:p>
@@ -31386,7 +29567,7 @@
           <a:p>
             <a:fld id="{0F78D9C4-20C1-4B15-A116-16DC77AD9A1E}" type="datetime1">
               <a:rPr lang="ko-KR" altLang="en-US" smtClean="0"/>
-              <a:t>2025-04-23</a:t>
+              <a:t>2025-06-08</a:t>
             </a:fld>
             <a:endParaRPr lang="ko-KR" altLang="en-US"/>
           </a:p>
